--- a/ppt/Zwischenpraesentation_v1.1.pptx
+++ b/ppt/Zwischenpraesentation_v1.1.pptx
@@ -25,8 +25,8 @@
     <p:sldId id="269" r:id="rId19"/>
     <p:sldId id="272" r:id="rId20"/>
     <p:sldId id="273" r:id="rId21"/>
-    <p:sldId id="852" r:id="rId22"/>
-    <p:sldId id="274" r:id="rId23"/>
+    <p:sldId id="274" r:id="rId22"/>
+    <p:sldId id="852" r:id="rId23"/>
   </p:sldIdLst>
   <p:sldSz cx="12192000" cy="6858000"/>
   <p:notesSz cx="7559675" cy="10691813"/>
@@ -125,6 +125,11 @@
       </a:defRPr>
     </a:lvl9pPr>
   </p:defaultTextStyle>
+  <p:extLst>
+    <p:ext uri="{EFAFB233-063F-42B5-8137-9DF3F51BA10A}">
+      <p15:sldGuideLst xmlns:p15="http://schemas.microsoft.com/office/powerpoint/2012/main"/>
+    </p:ext>
+  </p:extLst>
 </p:presentation>
 </file>
 
@@ -5470,33 +5475,15 @@
               <a:buChar char=""/>
             </a:pPr>
             <a:r>
-              <a:rPr lang="de-DE" sz="1600" b="0" strike="noStrike" spc="-1" dirty="0">
+              <a:rPr lang="de-DE" sz="2000" b="0" strike="noStrike" spc="-1" dirty="0">
                 <a:solidFill>
                   <a:srgbClr val="000000"/>
                 </a:solidFill>
                 <a:latin typeface="LMU CompatilFact"/>
               </a:rPr>
-              <a:t>Beispiel: pik-</a:t>
-            </a:r>
-            <a:r>
-              <a:rPr lang="de-DE" sz="1600" b="0" strike="noStrike" spc="-1" dirty="0" err="1">
-                <a:solidFill>
-                  <a:srgbClr val="000000"/>
-                </a:solidFill>
-                <a:latin typeface="LMU CompatilFact"/>
-              </a:rPr>
-              <a:t>potsdamm</a:t>
-            </a:r>
-            <a:r>
-              <a:rPr lang="de-DE" sz="1600" b="0" strike="noStrike" spc="-1" dirty="0">
-                <a:solidFill>
-                  <a:srgbClr val="000000"/>
-                </a:solidFill>
-                <a:latin typeface="LMU CompatilFact"/>
-              </a:rPr>
-              <a:t> Bericht</a:t>
-            </a:r>
-            <a:endParaRPr lang="en-US" sz="1600" b="0" strike="noStrike" spc="-1" dirty="0">
+              <a:t>Ein GWL möglichst in einem Cluster vertreten</a:t>
+            </a:r>
+            <a:endParaRPr lang="en-US" sz="2000" b="0" strike="noStrike" spc="-1" dirty="0">
               <a:latin typeface="Arial"/>
             </a:endParaRPr>
           </a:p>
@@ -5516,70 +5503,24 @@
               <a:buChar char=""/>
             </a:pPr>
             <a:r>
-              <a:rPr lang="de-DE" sz="1600" b="0" strike="noStrike" spc="-1" dirty="0">
+              <a:rPr lang="de-DE" sz="2000" b="0" strike="noStrike" spc="-1" dirty="0">
                 <a:solidFill>
                   <a:srgbClr val="000000"/>
                 </a:solidFill>
                 <a:latin typeface="LMU CompatilFact"/>
               </a:rPr>
-              <a:t>Ein </a:t>
-            </a:r>
-            <a:r>
-              <a:rPr lang="de-DE" sz="1600" b="0" strike="noStrike" spc="-1" dirty="0" err="1">
+              <a:t>Anzahl Cluster &lt; Anzahl </a:t>
+            </a:r>
+            <a:r>
+              <a:rPr lang="de-DE" sz="2000" b="0" strike="noStrike" spc="-1" dirty="0" err="1">
                 <a:solidFill>
                   <a:srgbClr val="000000"/>
                 </a:solidFill>
                 <a:latin typeface="LMU CompatilFact"/>
               </a:rPr>
-              <a:t>Gwl</a:t>
-            </a:r>
-            <a:r>
-              <a:rPr lang="de-DE" sz="1600" b="0" strike="noStrike" spc="-1" dirty="0">
-                <a:solidFill>
-                  <a:srgbClr val="000000"/>
-                </a:solidFill>
-                <a:latin typeface="LMU CompatilFact"/>
-              </a:rPr>
-              <a:t> möglichst in einem Cluster vertreten</a:t>
-            </a:r>
-            <a:endParaRPr lang="en-US" sz="1600" b="0" strike="noStrike" spc="-1" dirty="0">
-              <a:latin typeface="Arial"/>
-            </a:endParaRPr>
-          </a:p>
-          <a:p>
-            <a:pPr marL="864000" lvl="1" indent="-323640">
-              <a:lnSpc>
-                <a:spcPct val="100000"/>
-              </a:lnSpc>
-              <a:spcBef>
-                <a:spcPts val="1134"/>
-              </a:spcBef>
-              <a:buClr>
-                <a:srgbClr val="000000"/>
-              </a:buClr>
-              <a:buSzPct val="75000"/>
-              <a:buFont typeface="Symbol"/>
-              <a:buChar char=""/>
-            </a:pPr>
-            <a:r>
-              <a:rPr lang="de-DE" sz="1600" b="0" strike="noStrike" spc="-1" dirty="0">
-                <a:solidFill>
-                  <a:srgbClr val="000000"/>
-                </a:solidFill>
-                <a:latin typeface="LMU CompatilFact"/>
-              </a:rPr>
-              <a:t>Anzahl Cluster &lt; Anzahl </a:t>
-            </a:r>
-            <a:r>
-              <a:rPr lang="de-DE" sz="1600" b="0" strike="noStrike" spc="-1" dirty="0" err="1">
-                <a:solidFill>
-                  <a:srgbClr val="000000"/>
-                </a:solidFill>
-                <a:latin typeface="LMU CompatilFact"/>
-              </a:rPr>
               <a:t>GWL’s</a:t>
             </a:r>
-            <a:endParaRPr lang="en-US" sz="1600" b="0" strike="noStrike" spc="-1" dirty="0">
+            <a:endParaRPr lang="en-US" sz="2000" b="0" strike="noStrike" spc="-1" dirty="0">
               <a:latin typeface="Arial"/>
             </a:endParaRPr>
           </a:p>
@@ -5606,6 +5547,77 @@
                 <a:latin typeface="LMU CompatilFact"/>
               </a:rPr>
               <a:t>Vergleich der Cluster</a:t>
+            </a:r>
+          </a:p>
+          <a:p>
+            <a:pPr marL="908460" lvl="1" indent="-342900">
+              <a:spcBef>
+                <a:spcPts val="1417"/>
+              </a:spcBef>
+              <a:buClr>
+                <a:srgbClr val="000000"/>
+              </a:buClr>
+              <a:buSzPct val="45000"/>
+              <a:buFont typeface="Symbol" panose="05050102010706020507" pitchFamily="18" charset="2"/>
+              <a:buChar char="-"/>
+            </a:pPr>
+            <a:r>
+              <a:rPr lang="de-DE" sz="2000" spc="-1" dirty="0">
+                <a:solidFill>
+                  <a:srgbClr val="000000"/>
+                </a:solidFill>
+                <a:latin typeface="LMU CompatilFact"/>
+              </a:rPr>
+              <a:t>Verteilung der </a:t>
+            </a:r>
+            <a:r>
+              <a:rPr lang="de-DE" sz="2000" spc="-1" dirty="0" err="1">
+                <a:solidFill>
+                  <a:srgbClr val="000000"/>
+                </a:solidFill>
+                <a:latin typeface="LMU CompatilFact"/>
+              </a:rPr>
+              <a:t>GWL‘s</a:t>
+            </a:r>
+            <a:r>
+              <a:rPr lang="de-DE" sz="2000" spc="-1" dirty="0">
+                <a:solidFill>
+                  <a:srgbClr val="000000"/>
+                </a:solidFill>
+                <a:latin typeface="LMU CompatilFact"/>
+              </a:rPr>
+              <a:t> in den Clustern</a:t>
+            </a:r>
+          </a:p>
+          <a:p>
+            <a:pPr marL="908460" lvl="1" indent="-342900">
+              <a:spcBef>
+                <a:spcPts val="1417"/>
+              </a:spcBef>
+              <a:buClr>
+                <a:srgbClr val="000000"/>
+              </a:buClr>
+              <a:buSzPct val="45000"/>
+              <a:buFont typeface="Symbol" panose="05050102010706020507" pitchFamily="18" charset="2"/>
+              <a:buChar char="-"/>
+            </a:pPr>
+            <a:r>
+              <a:rPr lang="de-DE" sz="2000" spc="-1" dirty="0">
+                <a:solidFill>
+                  <a:srgbClr val="000000"/>
+                </a:solidFill>
+                <a:latin typeface="LMU CompatilFact"/>
+              </a:rPr>
+              <a:t>Typische Messwerte eines Clusters </a:t>
+            </a:r>
+            <a:r>
+              <a:rPr lang="de-DE" sz="2400" spc="-1" dirty="0">
+                <a:solidFill>
+                  <a:srgbClr val="000000"/>
+                </a:solidFill>
+                <a:latin typeface="LMU CompatilFact"/>
+              </a:rPr>
+              <a:t>	</a:t>
             </a:r>
             <a:endParaRPr lang="en-US" sz="2400" b="0" strike="noStrike" spc="-1" dirty="0">
               <a:latin typeface="Arial"/>
@@ -6048,7 +6060,7 @@
                 </a:solidFill>
                 <a:latin typeface="LMU CompatilFact"/>
               </a:rPr>
-              <a:t>Größe Datensatz</a:t>
+              <a:t>Größe des Datensatzes</a:t>
             </a:r>
             <a:endParaRPr lang="en-US" sz="2800" b="0" strike="noStrike" spc="-1" dirty="0">
               <a:latin typeface="Arial"/>
@@ -6147,7 +6159,7 @@
                 </a:solidFill>
                 <a:latin typeface="LMU CompatilFact"/>
               </a:rPr>
-              <a:t>Anzahl Dimensionen</a:t>
+              <a:t>Anzahl der Dimensionen</a:t>
             </a:r>
             <a:endParaRPr lang="en-US" sz="2800" spc="-1" dirty="0"/>
           </a:p>
@@ -6245,16 +6257,16 @@
               </a:tabLst>
             </a:pPr>
             <a:r>
-              <a:rPr lang="de-DE" sz="4800" b="1" strike="noStrike" spc="-1">
+              <a:rPr lang="de-DE" sz="4800" b="1" strike="noStrike" spc="-1" dirty="0">
                 <a:solidFill>
                   <a:srgbClr val="000000"/>
                 </a:solidFill>
                 <a:latin typeface="LMU CompatilFact"/>
                 <a:ea typeface="DejaVu Sans"/>
               </a:rPr>
-              <a:t>Probleme und Ansätze </a:t>
-            </a:r>
-            <a:endParaRPr lang="en-US" sz="4800" b="0" strike="noStrike" spc="-1">
+              <a:t>Probleme und Ansätze I </a:t>
+            </a:r>
+            <a:endParaRPr lang="en-US" sz="4800" b="0" strike="noStrike" spc="-1" dirty="0">
               <a:latin typeface="Arial"/>
             </a:endParaRPr>
           </a:p>
@@ -6651,6 +6663,40 @@
               </a:rPr>
               <a:t>##</a:t>
             </a:r>
+          </a:p>
+          <a:p>
+            <a:pPr marL="432000" indent="-323640">
+              <a:lnSpc>
+                <a:spcPct val="100000"/>
+              </a:lnSpc>
+              <a:spcBef>
+                <a:spcPts val="1417"/>
+              </a:spcBef>
+              <a:buClr>
+                <a:srgbClr val="000000"/>
+              </a:buClr>
+              <a:buSzPct val="45000"/>
+              <a:buFont typeface="Wingdings" charset="2"/>
+              <a:buChar char=""/>
+            </a:pPr>
+            <a:r>
+              <a:rPr lang="de-DE" sz="2400" spc="-1" dirty="0">
+                <a:solidFill>
+                  <a:srgbClr val="C9211E"/>
+                </a:solidFill>
+                <a:latin typeface="LMU CompatilFact"/>
+              </a:rPr>
+              <a:t>Plot von </a:t>
+            </a:r>
+            <a:r>
+              <a:rPr lang="de-DE" sz="2400" spc="-1" dirty="0" err="1">
+                <a:solidFill>
+                  <a:srgbClr val="C9211E"/>
+                </a:solidFill>
+                <a:latin typeface="LMU CompatilFact"/>
+              </a:rPr>
+              <a:t>katja</a:t>
+            </a:r>
             <a:endParaRPr lang="en-US" sz="2400" b="0" strike="noStrike" spc="-1" dirty="0">
               <a:latin typeface="Arial"/>
             </a:endParaRPr>
@@ -6706,16 +6752,16 @@
               </a:tabLst>
             </a:pPr>
             <a:r>
-              <a:rPr lang="de-DE" sz="4800" b="1" strike="noStrike" spc="-1">
+              <a:rPr lang="de-DE" sz="4800" b="1" strike="noStrike" spc="-1" dirty="0">
                 <a:solidFill>
                   <a:srgbClr val="000000"/>
                 </a:solidFill>
                 <a:latin typeface="LMU CompatilFact"/>
                 <a:ea typeface="DejaVu Sans"/>
               </a:rPr>
-              <a:t>Probleme und Ansätze I </a:t>
-            </a:r>
-            <a:endParaRPr lang="en-US" sz="4800" b="0" strike="noStrike" spc="-1">
+              <a:t>Probleme und Ansätze II </a:t>
+            </a:r>
+            <a:endParaRPr lang="en-US" sz="4800" b="0" strike="noStrike" spc="-1" dirty="0">
               <a:latin typeface="Arial"/>
             </a:endParaRPr>
           </a:p>
@@ -7092,7 +7138,7 @@
                 </a:solidFill>
                 <a:latin typeface="LMU CompatilFact"/>
               </a:rPr>
-              <a:t>Clustern mit 320 Dimensionen</a:t>
+              <a:t>Clustern mit 320 Dimensionen Überschrift</a:t>
             </a:r>
           </a:p>
           <a:p>
@@ -9319,7 +9365,7 @@
                 </a:solidFill>
                 <a:latin typeface="LMU CompatilFact"/>
               </a:rPr>
-              <a:t>Unterschied zwischen erstem und letztem Tag einer GWL</a:t>
+              <a:t>Unterschiede der ersten und letzten Tage einer GWL</a:t>
             </a:r>
           </a:p>
           <a:p>
@@ -9375,7 +9421,7 @@
               <a:buChar char="-"/>
             </a:pPr>
             <a:r>
-              <a:rPr lang="de-DE" sz="2400" b="0" strike="noStrike" spc="-1" dirty="0">
+              <a:rPr lang="de-DE" sz="2000" b="0" strike="noStrike" spc="-1" dirty="0">
                 <a:solidFill>
                   <a:srgbClr val="000000"/>
                 </a:solidFill>
@@ -9555,16 +9601,16 @@
               </a:tabLst>
             </a:pPr>
             <a:r>
-              <a:rPr lang="de-DE" sz="4800" b="1" strike="noStrike" spc="-1">
+              <a:rPr lang="de-DE" sz="4800" b="1" strike="noStrike" spc="-1" dirty="0">
                 <a:solidFill>
                   <a:srgbClr val="000000"/>
                 </a:solidFill>
                 <a:latin typeface="LMU CompatilFact"/>
                 <a:ea typeface="DejaVu Sans"/>
               </a:rPr>
-              <a:t>Probleme und Ansätze III</a:t>
-            </a:r>
-            <a:endParaRPr lang="en-US" sz="4800" b="0" strike="noStrike" spc="-1">
+              <a:t>Probleme und Ansätze IV</a:t>
+            </a:r>
+            <a:endParaRPr lang="en-US" sz="4800" b="0" strike="noStrike" spc="-1" dirty="0">
               <a:latin typeface="Arial"/>
             </a:endParaRPr>
           </a:p>
@@ -9891,7 +9937,7 @@
         </p:nvSpPr>
         <p:spPr>
           <a:xfrm>
-            <a:off x="159120" y="2191578"/>
+            <a:off x="159120" y="2236734"/>
             <a:ext cx="11554200" cy="3815640"/>
           </a:xfrm>
           <a:prstGeom prst="rect">
@@ -9919,6 +9965,348 @@
             <a:noAutofit/>
           </a:bodyPr>
           <a:lstStyle/>
+          <a:p>
+            <a:pPr marL="451260" indent="-342900">
+              <a:lnSpc>
+                <a:spcPct val="100000"/>
+              </a:lnSpc>
+              <a:spcBef>
+                <a:spcPts val="1417"/>
+              </a:spcBef>
+              <a:buClr>
+                <a:srgbClr val="000000"/>
+              </a:buClr>
+              <a:buSzPct val="100000"/>
+              <a:buFont typeface="Arial" panose="020B0604020202020204" pitchFamily="34" charset="0"/>
+              <a:buChar char="•"/>
+            </a:pPr>
+            <a:r>
+              <a:rPr lang="en-US" sz="2400" spc="-1" dirty="0" err="1">
+                <a:latin typeface="LMU CompatilFact"/>
+              </a:rPr>
+              <a:t>Erstellen</a:t>
+            </a:r>
+            <a:r>
+              <a:rPr lang="en-US" sz="2400" spc="-1" dirty="0">
+                <a:latin typeface="LMU CompatilFact"/>
+              </a:rPr>
+              <a:t> </a:t>
+            </a:r>
+            <a:r>
+              <a:rPr lang="en-US" sz="2400" spc="-1" dirty="0" err="1">
+                <a:latin typeface="LMU CompatilFact"/>
+              </a:rPr>
+              <a:t>eines</a:t>
+            </a:r>
+            <a:r>
+              <a:rPr lang="en-US" sz="2400" spc="-1" dirty="0">
+                <a:latin typeface="LMU CompatilFact"/>
+              </a:rPr>
+              <a:t> </a:t>
+            </a:r>
+            <a:r>
+              <a:rPr lang="en-US" sz="2400" spc="-1" dirty="0" err="1">
+                <a:latin typeface="LMU CompatilFact"/>
+              </a:rPr>
+              <a:t>neuen</a:t>
+            </a:r>
+            <a:r>
+              <a:rPr lang="en-US" sz="2400" spc="-1" dirty="0">
+                <a:latin typeface="LMU CompatilFact"/>
+              </a:rPr>
+              <a:t> </a:t>
+            </a:r>
+            <a:r>
+              <a:rPr lang="en-US" sz="2400" spc="-1" dirty="0" err="1">
+                <a:latin typeface="LMU CompatilFact"/>
+              </a:rPr>
+              <a:t>Datensatzes</a:t>
+            </a:r>
+            <a:endParaRPr lang="en-US" sz="2400" spc="-1" dirty="0">
+              <a:latin typeface="LMU CompatilFact"/>
+            </a:endParaRPr>
+          </a:p>
+          <a:p>
+            <a:pPr marL="908460" lvl="1" indent="-342900">
+              <a:spcBef>
+                <a:spcPts val="1417"/>
+              </a:spcBef>
+              <a:buClr>
+                <a:srgbClr val="000000"/>
+              </a:buClr>
+              <a:buSzPct val="100000"/>
+              <a:buFont typeface="Symbol" panose="05050102010706020507" pitchFamily="18" charset="2"/>
+              <a:buChar char="-"/>
+            </a:pPr>
+            <a:r>
+              <a:rPr lang="en-US" sz="2000" spc="-1" dirty="0" err="1">
+                <a:latin typeface="LMU CompatilFact"/>
+              </a:rPr>
+              <a:t>Extrahieren</a:t>
+            </a:r>
+            <a:r>
+              <a:rPr lang="en-US" sz="2000" spc="-1" dirty="0">
+                <a:latin typeface="LMU CompatilFact"/>
+              </a:rPr>
+              <a:t> von </a:t>
+            </a:r>
+            <a:r>
+              <a:rPr lang="en-US" sz="2000" spc="-1" dirty="0" err="1">
+                <a:latin typeface="LMU CompatilFact"/>
+              </a:rPr>
+              <a:t>neuen</a:t>
+            </a:r>
+            <a:r>
+              <a:rPr lang="en-US" sz="2000" spc="-1" dirty="0">
+                <a:latin typeface="LMU CompatilFact"/>
+              </a:rPr>
+              <a:t> </a:t>
+            </a:r>
+            <a:r>
+              <a:rPr lang="en-US" sz="2000" spc="-1" dirty="0" err="1">
+                <a:latin typeface="LMU CompatilFact"/>
+              </a:rPr>
+              <a:t>Variablen</a:t>
+            </a:r>
+            <a:r>
+              <a:rPr lang="en-US" sz="2000" spc="-1" dirty="0">
+                <a:latin typeface="LMU CompatilFact"/>
+              </a:rPr>
+              <a:t>, </a:t>
+            </a:r>
+            <a:r>
+              <a:rPr lang="en-US" sz="2000" spc="-1" dirty="0" err="1">
+                <a:latin typeface="LMU CompatilFact"/>
+              </a:rPr>
+              <a:t>zum</a:t>
+            </a:r>
+            <a:r>
+              <a:rPr lang="en-US" sz="2000" spc="-1" dirty="0">
+                <a:latin typeface="LMU CompatilFact"/>
+              </a:rPr>
+              <a:t> </a:t>
+            </a:r>
+            <a:r>
+              <a:rPr lang="en-US" sz="2000" spc="-1" dirty="0" err="1">
+                <a:latin typeface="LMU CompatilFact"/>
+              </a:rPr>
+              <a:t>Teil</a:t>
+            </a:r>
+            <a:r>
+              <a:rPr lang="en-US" sz="2000" spc="-1" dirty="0">
+                <a:latin typeface="LMU CompatilFact"/>
+              </a:rPr>
+              <a:t> auf </a:t>
+            </a:r>
+            <a:r>
+              <a:rPr lang="en-US" sz="2000" spc="-1" dirty="0" err="1">
+                <a:latin typeface="LMU CompatilFact"/>
+              </a:rPr>
+              <a:t>diskreter</a:t>
+            </a:r>
+            <a:r>
+              <a:rPr lang="en-US" sz="2000" spc="-1" dirty="0">
+                <a:latin typeface="LMU CompatilFact"/>
+              </a:rPr>
+              <a:t> </a:t>
+            </a:r>
+            <a:r>
+              <a:rPr lang="en-US" sz="2000" spc="-1" dirty="0" err="1">
+                <a:latin typeface="LMU CompatilFact"/>
+              </a:rPr>
+              <a:t>Ebene</a:t>
+            </a:r>
+            <a:endParaRPr lang="en-US" sz="2000" spc="-1" dirty="0">
+              <a:latin typeface="LMU CompatilFact"/>
+            </a:endParaRPr>
+          </a:p>
+          <a:p>
+            <a:pPr marL="451260" indent="-342900">
+              <a:lnSpc>
+                <a:spcPct val="100000"/>
+              </a:lnSpc>
+              <a:spcBef>
+                <a:spcPts val="1417"/>
+              </a:spcBef>
+              <a:buClr>
+                <a:srgbClr val="000000"/>
+              </a:buClr>
+              <a:buSzPct val="100000"/>
+              <a:buFont typeface="Arial" panose="020B0604020202020204" pitchFamily="34" charset="0"/>
+              <a:buChar char="•"/>
+            </a:pPr>
+            <a:r>
+              <a:rPr lang="en-US" sz="2400" b="0" strike="noStrike" spc="-1" dirty="0" err="1">
+                <a:latin typeface="LMU CompatilFact"/>
+              </a:rPr>
+              <a:t>Vorteile</a:t>
+            </a:r>
+            <a:r>
+              <a:rPr lang="en-US" sz="2400" b="0" strike="noStrike" spc="-1" dirty="0">
+                <a:latin typeface="LMU CompatilFact"/>
+              </a:rPr>
+              <a:t> dieses </a:t>
+            </a:r>
+            <a:r>
+              <a:rPr lang="en-US" sz="2400" b="0" strike="noStrike" spc="-1" dirty="0" err="1">
+                <a:latin typeface="LMU CompatilFact"/>
+              </a:rPr>
+              <a:t>Vorgehens</a:t>
+            </a:r>
+            <a:endParaRPr lang="en-US" sz="2400" b="0" strike="noStrike" spc="-1" dirty="0">
+              <a:latin typeface="LMU CompatilFact"/>
+            </a:endParaRPr>
+          </a:p>
+          <a:p>
+            <a:pPr marL="908460" lvl="1" indent="-342900">
+              <a:spcBef>
+                <a:spcPts val="1417"/>
+              </a:spcBef>
+              <a:buClr>
+                <a:srgbClr val="000000"/>
+              </a:buClr>
+              <a:buSzPct val="100000"/>
+              <a:buFont typeface="Symbol" panose="05050102010706020507" pitchFamily="18" charset="2"/>
+              <a:buChar char="-"/>
+            </a:pPr>
+            <a:r>
+              <a:rPr lang="en-US" sz="2000" b="0" strike="noStrike" spc="-1" dirty="0" err="1">
+                <a:latin typeface="LMU CompatilFact"/>
+              </a:rPr>
+              <a:t>Reduzierung</a:t>
+            </a:r>
+            <a:r>
+              <a:rPr lang="en-US" sz="2000" b="0" strike="noStrike" spc="-1" dirty="0">
+                <a:latin typeface="LMU CompatilFact"/>
+              </a:rPr>
+              <a:t> der </a:t>
+            </a:r>
+            <a:r>
+              <a:rPr lang="en-US" sz="2000" spc="-1" dirty="0" err="1">
+                <a:latin typeface="LMU CompatilFact"/>
+              </a:rPr>
+              <a:t>Dimensionen</a:t>
+            </a:r>
+            <a:endParaRPr lang="en-US" sz="2000" spc="-1" dirty="0">
+              <a:latin typeface="LMU CompatilFact"/>
+            </a:endParaRPr>
+          </a:p>
+          <a:p>
+            <a:pPr marL="908460" lvl="1" indent="-342900">
+              <a:spcBef>
+                <a:spcPts val="1417"/>
+              </a:spcBef>
+              <a:buClr>
+                <a:srgbClr val="000000"/>
+              </a:buClr>
+              <a:buSzPct val="100000"/>
+              <a:buFont typeface="Symbol" panose="05050102010706020507" pitchFamily="18" charset="2"/>
+              <a:buChar char="-"/>
+            </a:pPr>
+            <a:r>
+              <a:rPr lang="en-US" sz="2000" spc="-1" dirty="0" err="1">
+                <a:latin typeface="LMU CompatilFact"/>
+              </a:rPr>
+              <a:t>Besseres</a:t>
+            </a:r>
+            <a:r>
+              <a:rPr lang="en-US" sz="2000" spc="-1" dirty="0">
+                <a:latin typeface="LMU CompatilFact"/>
+              </a:rPr>
+              <a:t> </a:t>
+            </a:r>
+            <a:r>
+              <a:rPr lang="en-US" sz="2000" spc="-1" dirty="0" err="1">
+                <a:latin typeface="LMU CompatilFact"/>
+              </a:rPr>
+              <a:t>Einbeziehen</a:t>
+            </a:r>
+            <a:r>
+              <a:rPr lang="en-US" sz="2000" b="0" strike="noStrike" spc="-1" dirty="0">
+                <a:latin typeface="LMU CompatilFact"/>
+              </a:rPr>
+              <a:t> der </a:t>
+            </a:r>
+            <a:r>
+              <a:rPr lang="en-US" sz="2000" b="0" strike="noStrike" spc="-1" dirty="0" err="1">
+                <a:latin typeface="LMU CompatilFact"/>
+              </a:rPr>
+              <a:t>örtlichen</a:t>
+            </a:r>
+            <a:r>
+              <a:rPr lang="en-US" sz="2000" b="0" strike="noStrike" spc="-1" dirty="0">
+                <a:latin typeface="LMU CompatilFact"/>
+              </a:rPr>
+              <a:t> </a:t>
+            </a:r>
+            <a:r>
+              <a:rPr lang="en-US" sz="2000" b="0" strike="noStrike" spc="-1" dirty="0" err="1">
+                <a:latin typeface="LMU CompatilFact"/>
+              </a:rPr>
+              <a:t>Komponente</a:t>
+            </a:r>
+            <a:endParaRPr lang="en-US" sz="2000" b="0" strike="noStrike" spc="-1" dirty="0">
+              <a:latin typeface="LMU CompatilFact"/>
+            </a:endParaRPr>
+          </a:p>
+          <a:p>
+            <a:pPr marL="908460" lvl="1" indent="-342900">
+              <a:spcBef>
+                <a:spcPts val="1417"/>
+              </a:spcBef>
+              <a:buClr>
+                <a:srgbClr val="000000"/>
+              </a:buClr>
+              <a:buSzPct val="100000"/>
+              <a:buFont typeface="Symbol" panose="05050102010706020507" pitchFamily="18" charset="2"/>
+              <a:buChar char="-"/>
+            </a:pPr>
+            <a:r>
+              <a:rPr lang="en-US" sz="2000" spc="-1" dirty="0" err="1">
+                <a:latin typeface="LMU CompatilFact"/>
+              </a:rPr>
+              <a:t>Einbringen</a:t>
+            </a:r>
+            <a:r>
+              <a:rPr lang="en-US" sz="2000" spc="-1" dirty="0">
+                <a:latin typeface="LMU CompatilFact"/>
+              </a:rPr>
+              <a:t> von </a:t>
+            </a:r>
+            <a:r>
+              <a:rPr lang="en-US" sz="2000" spc="-1" dirty="0" err="1">
+                <a:latin typeface="LMU CompatilFact"/>
+              </a:rPr>
+              <a:t>anderen</a:t>
+            </a:r>
+            <a:r>
+              <a:rPr lang="en-US" sz="2000" spc="-1" dirty="0">
+                <a:latin typeface="LMU CompatilFact"/>
+              </a:rPr>
+              <a:t> </a:t>
+            </a:r>
+            <a:r>
+              <a:rPr lang="en-US" sz="2000" spc="-1" dirty="0" err="1">
+                <a:latin typeface="LMU CompatilFact"/>
+              </a:rPr>
+              <a:t>möglichen</a:t>
+            </a:r>
+            <a:r>
+              <a:rPr lang="en-US" sz="2000" spc="-1" dirty="0">
+                <a:latin typeface="LMU CompatilFact"/>
+              </a:rPr>
+              <a:t> </a:t>
+            </a:r>
+            <a:r>
+              <a:rPr lang="en-US" sz="2000" spc="-1" dirty="0" err="1">
+                <a:latin typeface="LMU CompatilFact"/>
+              </a:rPr>
+              <a:t>Variablen</a:t>
+            </a:r>
+            <a:endParaRPr lang="en-US" sz="2000" spc="-1" dirty="0">
+              <a:latin typeface="LMU CompatilFact"/>
+            </a:endParaRPr>
+          </a:p>
           <a:p>
             <a:pPr marL="108360">
               <a:lnSpc>
@@ -9932,202 +10320,6 @@
               </a:buClr>
               <a:buSzPct val="45000"/>
             </a:pPr>
-            <a:r>
-              <a:rPr lang="en-US" sz="2800" spc="-1" dirty="0" err="1">
-                <a:latin typeface="LMU CompatilFact"/>
-              </a:rPr>
-              <a:t>Erstellen</a:t>
-            </a:r>
-            <a:r>
-              <a:rPr lang="en-US" sz="2800" spc="-1" dirty="0">
-                <a:latin typeface="LMU CompatilFact"/>
-              </a:rPr>
-              <a:t> </a:t>
-            </a:r>
-            <a:r>
-              <a:rPr lang="en-US" sz="2800" spc="-1" dirty="0" err="1">
-                <a:latin typeface="LMU CompatilFact"/>
-              </a:rPr>
-              <a:t>eines</a:t>
-            </a:r>
-            <a:r>
-              <a:rPr lang="en-US" sz="2800" spc="-1" dirty="0">
-                <a:latin typeface="LMU CompatilFact"/>
-              </a:rPr>
-              <a:t> </a:t>
-            </a:r>
-            <a:r>
-              <a:rPr lang="en-US" sz="2800" spc="-1" dirty="0" err="1">
-                <a:latin typeface="LMU CompatilFact"/>
-              </a:rPr>
-              <a:t>neuen</a:t>
-            </a:r>
-            <a:r>
-              <a:rPr lang="en-US" sz="2800" spc="-1" dirty="0">
-                <a:latin typeface="LMU CompatilFact"/>
-              </a:rPr>
-              <a:t> </a:t>
-            </a:r>
-            <a:r>
-              <a:rPr lang="en-US" sz="2800" spc="-1" dirty="0" err="1">
-                <a:latin typeface="LMU CompatilFact"/>
-              </a:rPr>
-              <a:t>Datensatzes</a:t>
-            </a:r>
-            <a:endParaRPr lang="en-US" sz="1400" b="0" strike="noStrike" spc="-1" dirty="0">
-              <a:latin typeface="LMU CompatilFact"/>
-            </a:endParaRPr>
-          </a:p>
-          <a:p>
-            <a:pPr marL="432000" indent="-323640">
-              <a:lnSpc>
-                <a:spcPct val="100000"/>
-              </a:lnSpc>
-              <a:spcBef>
-                <a:spcPts val="1417"/>
-              </a:spcBef>
-              <a:buClr>
-                <a:srgbClr val="000000"/>
-              </a:buClr>
-              <a:buSzPct val="45000"/>
-              <a:buFont typeface="Wingdings" charset="2"/>
-              <a:buChar char=""/>
-            </a:pPr>
-            <a:r>
-              <a:rPr lang="en-US" sz="2400" b="0" strike="noStrike" spc="-1" dirty="0" err="1">
-                <a:latin typeface="LMU CompatilFact"/>
-              </a:rPr>
-              <a:t>Extrahieren</a:t>
-            </a:r>
-            <a:r>
-              <a:rPr lang="en-US" sz="2400" b="0" strike="noStrike" spc="-1" dirty="0">
-                <a:latin typeface="LMU CompatilFact"/>
-              </a:rPr>
-              <a:t> von </a:t>
-            </a:r>
-            <a:r>
-              <a:rPr lang="en-US" sz="2400" b="0" strike="noStrike" spc="-1" dirty="0" err="1">
-                <a:latin typeface="LMU CompatilFact"/>
-              </a:rPr>
-              <a:t>neuen</a:t>
-            </a:r>
-            <a:r>
-              <a:rPr lang="en-US" sz="2400" b="0" strike="noStrike" spc="-1" dirty="0">
-                <a:latin typeface="LMU CompatilFact"/>
-              </a:rPr>
-              <a:t> </a:t>
-            </a:r>
-            <a:r>
-              <a:rPr lang="en-US" sz="2400" b="0" strike="noStrike" spc="-1" dirty="0" err="1">
-                <a:latin typeface="LMU CompatilFact"/>
-              </a:rPr>
-              <a:t>Variablen</a:t>
-            </a:r>
-            <a:endParaRPr lang="en-US" sz="2400" b="0" strike="noStrike" spc="-1" dirty="0">
-              <a:latin typeface="LMU CompatilFact"/>
-            </a:endParaRPr>
-          </a:p>
-          <a:p>
-            <a:pPr marL="432000" indent="-323640">
-              <a:lnSpc>
-                <a:spcPct val="100000"/>
-              </a:lnSpc>
-              <a:spcBef>
-                <a:spcPts val="1417"/>
-              </a:spcBef>
-              <a:buClr>
-                <a:srgbClr val="000000"/>
-              </a:buClr>
-              <a:buSzPct val="45000"/>
-              <a:buFont typeface="Wingdings" charset="2"/>
-              <a:buChar char=""/>
-            </a:pPr>
-            <a:r>
-              <a:rPr lang="en-US" sz="2400" b="0" strike="noStrike" spc="-1" dirty="0" err="1">
-                <a:latin typeface="LMU CompatilFact"/>
-              </a:rPr>
-              <a:t>Reduzierung</a:t>
-            </a:r>
-            <a:r>
-              <a:rPr lang="en-US" sz="2400" b="0" strike="noStrike" spc="-1" dirty="0">
-                <a:latin typeface="LMU CompatilFact"/>
-              </a:rPr>
-              <a:t> der </a:t>
-            </a:r>
-            <a:r>
-              <a:rPr lang="en-US" sz="2400" spc="-1" dirty="0" err="1">
-                <a:latin typeface="LMU CompatilFact"/>
-              </a:rPr>
-              <a:t>Dimensionen</a:t>
-            </a:r>
-            <a:endParaRPr lang="en-US" sz="2400" spc="-1" dirty="0">
-              <a:latin typeface="LMU CompatilFact"/>
-            </a:endParaRPr>
-          </a:p>
-          <a:p>
-            <a:pPr marL="432000" indent="-323640">
-              <a:lnSpc>
-                <a:spcPct val="100000"/>
-              </a:lnSpc>
-              <a:spcBef>
-                <a:spcPts val="1417"/>
-              </a:spcBef>
-              <a:buClr>
-                <a:srgbClr val="000000"/>
-              </a:buClr>
-              <a:buSzPct val="45000"/>
-              <a:buFont typeface="Wingdings" charset="2"/>
-              <a:buChar char=""/>
-            </a:pPr>
-            <a:r>
-              <a:rPr lang="en-US" sz="2400" b="0" strike="noStrike" spc="-1" dirty="0" err="1">
-                <a:latin typeface="LMU CompatilFact"/>
-              </a:rPr>
-              <a:t>Einbringen</a:t>
-            </a:r>
-            <a:r>
-              <a:rPr lang="en-US" sz="2400" b="0" strike="noStrike" spc="-1" dirty="0">
-                <a:latin typeface="LMU CompatilFact"/>
-              </a:rPr>
-              <a:t> der </a:t>
-            </a:r>
-            <a:r>
-              <a:rPr lang="en-US" sz="2400" b="0" strike="noStrike" spc="-1" dirty="0" err="1">
-                <a:latin typeface="LMU CompatilFact"/>
-              </a:rPr>
-              <a:t>örtlichen</a:t>
-            </a:r>
-            <a:r>
-              <a:rPr lang="en-US" sz="2400" b="0" strike="noStrike" spc="-1" dirty="0">
-                <a:latin typeface="LMU CompatilFact"/>
-              </a:rPr>
-              <a:t> </a:t>
-            </a:r>
-            <a:r>
-              <a:rPr lang="en-US" sz="2400" b="0" strike="noStrike" spc="-1" dirty="0" err="1">
-                <a:latin typeface="LMU CompatilFact"/>
-              </a:rPr>
-              <a:t>Komponente</a:t>
-            </a:r>
-            <a:endParaRPr lang="en-US" sz="2400" b="0" strike="noStrike" spc="-1" dirty="0">
-              <a:latin typeface="LMU CompatilFact"/>
-            </a:endParaRPr>
-          </a:p>
-          <a:p>
-            <a:pPr marL="432000" indent="-323640">
-              <a:lnSpc>
-                <a:spcPct val="100000"/>
-              </a:lnSpc>
-              <a:spcBef>
-                <a:spcPts val="1417"/>
-              </a:spcBef>
-              <a:buClr>
-                <a:srgbClr val="000000"/>
-              </a:buClr>
-              <a:buSzPct val="45000"/>
-              <a:buFont typeface="Wingdings" charset="2"/>
-              <a:buChar char=""/>
-            </a:pPr>
             <a:endParaRPr lang="en-US" sz="2000" b="0" strike="noStrike" spc="-1" dirty="0">
               <a:latin typeface="Arial"/>
             </a:endParaRPr>
@@ -10183,7 +10375,7 @@
               </a:tabLst>
             </a:pPr>
             <a:r>
-              <a:rPr lang="de-DE" sz="4800" b="1" strike="noStrike" spc="-1">
+              <a:rPr lang="de-DE" sz="4800" b="1" strike="noStrike" spc="-1" dirty="0">
                 <a:solidFill>
                   <a:srgbClr val="000000"/>
                 </a:solidFill>
@@ -10192,7 +10384,7 @@
               </a:rPr>
               <a:t>Methodik - Konzept</a:t>
             </a:r>
-            <a:endParaRPr lang="en-US" sz="4800" b="0" strike="noStrike" spc="-1">
+            <a:endParaRPr lang="en-US" sz="4800" b="0" strike="noStrike" spc="-1" dirty="0">
               <a:latin typeface="Arial"/>
             </a:endParaRPr>
           </a:p>
@@ -11188,7 +11380,7 @@
           <p:nvPr>
             <p:extLst>
               <p:ext uri="{D42A27DB-BD31-4B8C-83A1-F6EECF244321}">
-                <p14:modId xmlns:p14="http://schemas.microsoft.com/office/powerpoint/2010/main" val="4156580408"/>
+                <p14:modId xmlns:p14="http://schemas.microsoft.com/office/powerpoint/2010/main" val="2432875034"/>
               </p:ext>
             </p:extLst>
           </p:nvPr>
@@ -11449,7 +11641,10 @@
                       <a:r>
                         <a:rPr lang="de-DE" sz="2000" b="0" i="0" u="none" strike="noStrike" dirty="0">
                           <a:solidFill>
-                            <a:srgbClr val="000000"/>
+                            <a:schemeClr val="tx1">
+                              <a:lumMod val="65000"/>
+                              <a:lumOff val="35000"/>
+                            </a:schemeClr>
                           </a:solidFill>
                           <a:effectLst/>
                           <a:latin typeface="LMU CompatilFact"/>
@@ -11457,6 +11652,12 @@
                         <a:t>Zeitpunkt</a:t>
                       </a:r>
                       <a:endParaRPr lang="de-DE" sz="2000" dirty="0">
+                        <a:solidFill>
+                          <a:schemeClr val="tx1">
+                            <a:lumMod val="65000"/>
+                            <a:lumOff val="35000"/>
+                          </a:schemeClr>
+                        </a:solidFill>
                         <a:effectLst/>
                         <a:latin typeface="LMU CompatilFact"/>
                       </a:endParaRPr>
@@ -11507,6 +11708,19 @@
                     <a:lstStyle/>
                     <a:p>
                       <a:pPr fontAlgn="t"/>
+                      <a:r>
+                        <a:rPr lang="de-DE" sz="2000" dirty="0">
+                          <a:solidFill>
+                            <a:schemeClr val="tx1">
+                              <a:lumMod val="65000"/>
+                              <a:lumOff val="35000"/>
+                            </a:schemeClr>
+                          </a:solidFill>
+                          <a:effectLst/>
+                          <a:latin typeface="LMU CompatilFact"/>
+                        </a:rPr>
+                        <a:t>Evtl. für Saisonbereinigung</a:t>
+                      </a:r>
                       <a:br>
                         <a:rPr lang="de-DE" sz="1800" dirty="0">
                           <a:effectLst/>
@@ -11572,19 +11786,18 @@
                         </a:spcAft>
                       </a:pPr>
                       <a:r>
-                        <a:rPr lang="de-DE" sz="2000" b="0" i="0" u="none" strike="noStrike" dirty="0">
+                        <a:rPr lang="de-DE" sz="2000" dirty="0">
                           <a:solidFill>
-                            <a:srgbClr val="000000"/>
+                            <a:schemeClr val="tx1">
+                              <a:lumMod val="65000"/>
+                              <a:lumOff val="35000"/>
+                            </a:schemeClr>
                           </a:solidFill>
                           <a:effectLst/>
                           <a:latin typeface="LMU CompatilFact"/>
                         </a:rPr>
-                        <a:t>Saisonbereinigung statt Variable?</a:t>
+                        <a:t>Kategorial</a:t>
                       </a:r>
-                      <a:endParaRPr lang="de-DE" sz="2000" dirty="0">
-                        <a:effectLst/>
-                        <a:latin typeface="LMU CompatilFact"/>
-                      </a:endParaRPr>
                     </a:p>
                   </a:txBody>
                   <a:tcPr marL="45963" marR="45963" marT="45963" marB="45963">
@@ -13321,7 +13534,7 @@
       </p:grpSpPr>
       <p:sp>
         <p:nvSpPr>
-          <p:cNvPr id="208" name="CustomShape 1"/>
+          <p:cNvPr id="215" name="CustomShape 1"/>
           <p:cNvSpPr/>
           <p:nvPr/>
         </p:nvSpPr>
@@ -13361,7 +13574,7 @@
                 <a:spcPct val="100000"/>
               </a:lnSpc>
             </a:pPr>
-            <a:fld id="{2BFEA7F1-5216-4B02-A4C0-C4A29E7F39B7}" type="slidenum">
+            <a:fld id="{7E89CDBD-EA66-441F-A440-51EC67F0947D}" type="slidenum">
               <a:rPr lang="de-DE" sz="1400" b="0" strike="noStrike" spc="-1">
                 <a:solidFill>
                   <a:srgbClr val="006C30"/>
@@ -13378,7 +13591,7 @@
       </p:sp>
       <p:sp>
         <p:nvSpPr>
-          <p:cNvPr id="209" name="CustomShape 2"/>
+          <p:cNvPr id="216" name="CustomShape 2"/>
           <p:cNvSpPr/>
           <p:nvPr/>
         </p:nvSpPr>
@@ -13421,7 +13634,7 @@
               </a:lnSpc>
             </a:pPr>
             <a:r>
-              <a:rPr lang="de-DE" sz="1400" b="0" strike="noStrike" spc="-1" dirty="0">
+              <a:rPr lang="de-DE" sz="1400" b="0" strike="noStrike" spc="-1">
                 <a:solidFill>
                   <a:srgbClr val="006C30"/>
                 </a:solidFill>
@@ -13429,15 +13642,15 @@
               </a:rPr>
               <a:t>Zwischenpräsentation am 21.12.2020</a:t>
             </a:r>
-            <a:endParaRPr lang="en-US" sz="1400" b="0" strike="noStrike" spc="-1" dirty="0">
-              <a:latin typeface="Arial"/>
-            </a:endParaRPr>
-          </a:p>
-        </p:txBody>
-      </p:sp>
-      <p:sp>
-        <p:nvSpPr>
-          <p:cNvPr id="210" name="CustomShape 3"/>
+            <a:endParaRPr lang="en-US" sz="1400" b="0" strike="noStrike" spc="-1">
+              <a:latin typeface="Arial"/>
+            </a:endParaRPr>
+          </a:p>
+        </p:txBody>
+      </p:sp>
+      <p:sp>
+        <p:nvSpPr>
+          <p:cNvPr id="217" name="CustomShape 3"/>
           <p:cNvSpPr/>
           <p:nvPr/>
         </p:nvSpPr>
@@ -13474,7 +13687,7 @@
       </p:sp>
       <p:sp>
         <p:nvSpPr>
-          <p:cNvPr id="211" name="CustomShape 4"/>
+          <p:cNvPr id="218" name="CustomShape 4"/>
           <p:cNvSpPr/>
           <p:nvPr/>
         </p:nvSpPr>
@@ -13531,7 +13744,7 @@
       </p:sp>
       <p:sp>
         <p:nvSpPr>
-          <p:cNvPr id="212" name="CustomShape 5"/>
+          <p:cNvPr id="219" name="CustomShape 5"/>
           <p:cNvSpPr/>
           <p:nvPr/>
         </p:nvSpPr>
@@ -13609,7 +13822,7 @@
       </p:sp>
       <p:sp>
         <p:nvSpPr>
-          <p:cNvPr id="213" name="CustomShape 6"/>
+          <p:cNvPr id="220" name="CustomShape 6"/>
           <p:cNvSpPr/>
           <p:nvPr/>
         </p:nvSpPr>
@@ -13644,7 +13857,7 @@
           </a:bodyPr>
           <a:lstStyle/>
           <a:p>
-            <a:pPr marL="720">
+            <a:pPr marL="216000" indent="-215640">
               <a:lnSpc>
                 <a:spcPct val="100000"/>
               </a:lnSpc>
@@ -13654,16 +13867,112 @@
               <a:buClr>
                 <a:srgbClr val="000000"/>
               </a:buClr>
-            </a:pPr>
-            <a:endParaRPr lang="en-US" sz="2800" b="0" strike="noStrike" spc="-1" dirty="0">
-              <a:latin typeface="Arial"/>
-            </a:endParaRPr>
-          </a:p>
-        </p:txBody>
-      </p:sp>
-      <p:sp>
-        <p:nvSpPr>
-          <p:cNvPr id="214" name="CustomShape 7"/>
+              <a:buSzPct val="45000"/>
+              <a:buFont typeface="Wingdings" charset="2"/>
+              <a:buChar char=""/>
+            </a:pPr>
+            <a:r>
+              <a:rPr lang="de-DE" sz="2800" b="0" strike="noStrike" spc="-1">
+                <a:solidFill>
+                  <a:srgbClr val="C9211E"/>
+                </a:solidFill>
+                <a:latin typeface="LMU CompatilFact"/>
+              </a:rPr>
+              <a:t>##Insert why##</a:t>
+            </a:r>
+            <a:endParaRPr lang="en-US" sz="2800" b="0" strike="noStrike" spc="-1">
+              <a:latin typeface="Arial"/>
+            </a:endParaRPr>
+          </a:p>
+          <a:p>
+            <a:pPr marL="216000" indent="-215640">
+              <a:lnSpc>
+                <a:spcPct val="100000"/>
+              </a:lnSpc>
+              <a:spcAft>
+                <a:spcPts val="601"/>
+              </a:spcAft>
+              <a:buClr>
+                <a:srgbClr val="000000"/>
+              </a:buClr>
+              <a:buSzPct val="45000"/>
+              <a:buFont typeface="Wingdings" charset="2"/>
+              <a:buChar char=""/>
+            </a:pPr>
+            <a:r>
+              <a:rPr lang="de-DE" sz="2800" b="0" strike="noStrike" spc="-1">
+                <a:solidFill>
+                  <a:srgbClr val="C9211E"/>
+                </a:solidFill>
+                <a:latin typeface="LMU CompatilFact"/>
+              </a:rPr>
+              <a:t>##Insert what is DBSCAN</a:t>
+            </a:r>
+            <a:endParaRPr lang="en-US" sz="2800" b="0" strike="noStrike" spc="-1">
+              <a:latin typeface="Arial"/>
+            </a:endParaRPr>
+          </a:p>
+          <a:p>
+            <a:pPr marL="216000" indent="-215640">
+              <a:lnSpc>
+                <a:spcPct val="100000"/>
+              </a:lnSpc>
+              <a:spcAft>
+                <a:spcPts val="601"/>
+              </a:spcAft>
+              <a:buClr>
+                <a:srgbClr val="000000"/>
+              </a:buClr>
+              <a:buSzPct val="45000"/>
+              <a:buFont typeface="Wingdings" charset="2"/>
+              <a:buChar char=""/>
+            </a:pPr>
+            <a:r>
+              <a:rPr lang="de-DE" sz="2800" b="0" strike="noStrike" spc="-1">
+                <a:solidFill>
+                  <a:srgbClr val="C9211E"/>
+                </a:solidFill>
+                <a:latin typeface="LMU CompatilFact"/>
+              </a:rPr>
+              <a:t>##Insert plots of dbscans</a:t>
+            </a:r>
+            <a:endParaRPr lang="en-US" sz="2800" b="0" strike="noStrike" spc="-1">
+              <a:latin typeface="Arial"/>
+            </a:endParaRPr>
+          </a:p>
+          <a:p>
+            <a:pPr marL="216000" indent="-215640">
+              <a:lnSpc>
+                <a:spcPct val="100000"/>
+              </a:lnSpc>
+              <a:spcAft>
+                <a:spcPts val="601"/>
+              </a:spcAft>
+              <a:buClr>
+                <a:srgbClr val="000000"/>
+              </a:buClr>
+              <a:buSzPct val="45000"/>
+              <a:buFont typeface="Wingdings" charset="2"/>
+              <a:buChar char=""/>
+            </a:pPr>
+            <a:r>
+              <a:rPr lang="de-DE" sz="2800" b="0" strike="noStrike" spc="-1">
+                <a:solidFill>
+                  <a:srgbClr val="C9211E"/>
+                </a:solidFill>
+                <a:latin typeface="LMU CompatilFact"/>
+              </a:rPr>
+              <a:t>##Insert table of variables from this</a:t>
+            </a:r>
+            <a:endParaRPr lang="en-US" sz="2800" b="0" strike="noStrike" spc="-1">
+              <a:latin typeface="Arial"/>
+            </a:endParaRPr>
+          </a:p>
+        </p:txBody>
+      </p:sp>
+      <p:sp>
+        <p:nvSpPr>
+          <p:cNvPr id="221" name="CustomShape 7"/>
           <p:cNvSpPr/>
           <p:nvPr/>
         </p:nvSpPr>
@@ -13710,937 +14019,22 @@
               </a:tabLst>
             </a:pPr>
             <a:r>
-              <a:rPr lang="de-DE" sz="4800" b="1" strike="noStrike" spc="-1" dirty="0">
+              <a:rPr lang="de-DE" sz="4800" b="1" strike="noStrike" spc="-1">
                 <a:solidFill>
                   <a:srgbClr val="000000"/>
                 </a:solidFill>
                 <a:latin typeface="LMU CompatilFact"/>
                 <a:ea typeface="DejaVu Sans"/>
               </a:rPr>
-              <a:t>Probleme</a:t>
-            </a:r>
-            <a:endParaRPr lang="en-US" sz="4800" b="0" strike="noStrike" spc="-1" dirty="0">
-              <a:latin typeface="Arial"/>
-            </a:endParaRPr>
-          </a:p>
-        </p:txBody>
-      </p:sp>
-      <p:sp>
-        <p:nvSpPr>
-          <p:cNvPr id="3" name="Rectangle 1">
-            <a:extLst>
-              <a:ext uri="{FF2B5EF4-FFF2-40B4-BE49-F238E27FC236}">
-                <a16:creationId xmlns:a16="http://schemas.microsoft.com/office/drawing/2014/main" id="{8E77B90C-F82C-44E6-A46E-400DE5629F4B}"/>
-              </a:ext>
-            </a:extLst>
-          </p:cNvPr>
-          <p:cNvSpPr>
-            <a:spLocks noChangeArrowheads="1"/>
-          </p:cNvSpPr>
-          <p:nvPr/>
-        </p:nvSpPr>
-        <p:spPr bwMode="auto">
-          <a:xfrm>
-            <a:off x="4559300" y="1050965"/>
-            <a:ext cx="184731" cy="1107996"/>
-          </a:xfrm>
-          <a:prstGeom prst="rect">
-            <a:avLst/>
-          </a:prstGeom>
-          <a:noFill/>
-          <a:ln>
-            <a:noFill/>
-          </a:ln>
-          <a:effectLst/>
-          <a:extLst>
-            <a:ext uri="{909E8E84-426E-40DD-AFC4-6F175D3DCCD1}">
-              <a14:hiddenFill xmlns:a14="http://schemas.microsoft.com/office/drawing/2010/main">
-                <a:solidFill>
-                  <a:schemeClr val="accent1"/>
-                </a:solidFill>
-              </a14:hiddenFill>
-            </a:ext>
-            <a:ext uri="{91240B29-F687-4F45-9708-019B960494DF}">
-              <a14:hiddenLine xmlns:a14="http://schemas.microsoft.com/office/drawing/2010/main" w="9525">
-                <a:solidFill>
-                  <a:schemeClr val="tx1"/>
-                </a:solidFill>
-                <a:miter lim="800000"/>
-                <a:headEnd/>
-                <a:tailEnd/>
-              </a14:hiddenLine>
-            </a:ext>
-            <a:ext uri="{AF507438-7753-43E0-B8FC-AC1667EBCBE1}">
-              <a14:hiddenEffects xmlns:a14="http://schemas.microsoft.com/office/drawing/2010/main">
-                <a:effectLst>
-                  <a:outerShdw dist="35921" dir="2700000" algn="ctr" rotWithShape="0">
-                    <a:schemeClr val="bg2"/>
-                  </a:outerShdw>
-                </a:effectLst>
-              </a14:hiddenEffects>
-            </a:ext>
-          </a:extLst>
-        </p:spPr>
-        <p:txBody>
-          <a:bodyPr vert="horz" wrap="none" lIns="91440" tIns="0" rIns="91440" bIns="0" numCol="1" anchor="ctr" anchorCtr="0" compatLnSpc="1">
-            <a:prstTxWarp prst="textNoShape">
-              <a:avLst/>
-            </a:prstTxWarp>
-            <a:spAutoFit/>
-          </a:bodyPr>
-          <a:lstStyle>
-            <a:lvl1pPr eaLnBrk="0" fontAlgn="base" hangingPunct="0">
-              <a:spcBef>
-                <a:spcPct val="0"/>
-              </a:spcBef>
-              <a:spcAft>
-                <a:spcPct val="0"/>
-              </a:spcAft>
-              <a:defRPr>
-                <a:solidFill>
-                  <a:schemeClr val="tx1"/>
-                </a:solidFill>
-                <a:latin typeface="Arial" panose="020B0604020202020204" pitchFamily="34" charset="0"/>
-              </a:defRPr>
-            </a:lvl1pPr>
-            <a:lvl2pPr eaLnBrk="0" fontAlgn="base" hangingPunct="0">
-              <a:spcBef>
-                <a:spcPct val="0"/>
-              </a:spcBef>
-              <a:spcAft>
-                <a:spcPct val="0"/>
-              </a:spcAft>
-              <a:defRPr>
-                <a:solidFill>
-                  <a:schemeClr val="tx1"/>
-                </a:solidFill>
-                <a:latin typeface="Arial" panose="020B0604020202020204" pitchFamily="34" charset="0"/>
-              </a:defRPr>
-            </a:lvl2pPr>
-            <a:lvl3pPr eaLnBrk="0" fontAlgn="base" hangingPunct="0">
-              <a:spcBef>
-                <a:spcPct val="0"/>
-              </a:spcBef>
-              <a:spcAft>
-                <a:spcPct val="0"/>
-              </a:spcAft>
-              <a:defRPr>
-                <a:solidFill>
-                  <a:schemeClr val="tx1"/>
-                </a:solidFill>
-                <a:latin typeface="Arial" panose="020B0604020202020204" pitchFamily="34" charset="0"/>
-              </a:defRPr>
-            </a:lvl3pPr>
-            <a:lvl4pPr eaLnBrk="0" fontAlgn="base" hangingPunct="0">
-              <a:spcBef>
-                <a:spcPct val="0"/>
-              </a:spcBef>
-              <a:spcAft>
-                <a:spcPct val="0"/>
-              </a:spcAft>
-              <a:defRPr>
-                <a:solidFill>
-                  <a:schemeClr val="tx1"/>
-                </a:solidFill>
-                <a:latin typeface="Arial" panose="020B0604020202020204" pitchFamily="34" charset="0"/>
-              </a:defRPr>
-            </a:lvl4pPr>
-            <a:lvl5pPr eaLnBrk="0" fontAlgn="base" hangingPunct="0">
-              <a:spcBef>
-                <a:spcPct val="0"/>
-              </a:spcBef>
-              <a:spcAft>
-                <a:spcPct val="0"/>
-              </a:spcAft>
-              <a:defRPr>
-                <a:solidFill>
-                  <a:schemeClr val="tx1"/>
-                </a:solidFill>
-                <a:latin typeface="Arial" panose="020B0604020202020204" pitchFamily="34" charset="0"/>
-              </a:defRPr>
-            </a:lvl5pPr>
-            <a:lvl6pPr eaLnBrk="0" fontAlgn="base" hangingPunct="0">
-              <a:spcBef>
-                <a:spcPct val="0"/>
-              </a:spcBef>
-              <a:spcAft>
-                <a:spcPct val="0"/>
-              </a:spcAft>
-              <a:defRPr>
-                <a:solidFill>
-                  <a:schemeClr val="tx1"/>
-                </a:solidFill>
-                <a:latin typeface="Arial" panose="020B0604020202020204" pitchFamily="34" charset="0"/>
-              </a:defRPr>
-            </a:lvl6pPr>
-            <a:lvl7pPr eaLnBrk="0" fontAlgn="base" hangingPunct="0">
-              <a:spcBef>
-                <a:spcPct val="0"/>
-              </a:spcBef>
-              <a:spcAft>
-                <a:spcPct val="0"/>
-              </a:spcAft>
-              <a:defRPr>
-                <a:solidFill>
-                  <a:schemeClr val="tx1"/>
-                </a:solidFill>
-                <a:latin typeface="Arial" panose="020B0604020202020204" pitchFamily="34" charset="0"/>
-              </a:defRPr>
-            </a:lvl7pPr>
-            <a:lvl8pPr eaLnBrk="0" fontAlgn="base" hangingPunct="0">
-              <a:spcBef>
-                <a:spcPct val="0"/>
-              </a:spcBef>
-              <a:spcAft>
-                <a:spcPct val="0"/>
-              </a:spcAft>
-              <a:defRPr>
-                <a:solidFill>
-                  <a:schemeClr val="tx1"/>
-                </a:solidFill>
-                <a:latin typeface="Arial" panose="020B0604020202020204" pitchFamily="34" charset="0"/>
-              </a:defRPr>
-            </a:lvl8pPr>
-            <a:lvl9pPr eaLnBrk="0" fontAlgn="base" hangingPunct="0">
-              <a:spcBef>
-                <a:spcPct val="0"/>
-              </a:spcBef>
-              <a:spcAft>
-                <a:spcPct val="0"/>
-              </a:spcAft>
-              <a:defRPr>
-                <a:solidFill>
-                  <a:schemeClr val="tx1"/>
-                </a:solidFill>
-                <a:latin typeface="Arial" panose="020B0604020202020204" pitchFamily="34" charset="0"/>
-              </a:defRPr>
-            </a:lvl9pPr>
-          </a:lstStyle>
-          <a:p>
-            <a:pPr marL="0" marR="0" lvl="0" indent="0" algn="l" defTabSz="914400" rtl="0" eaLnBrk="0" fontAlgn="base" latinLnBrk="0" hangingPunct="0">
-              <a:lnSpc>
-                <a:spcPct val="100000"/>
-              </a:lnSpc>
-              <a:spcBef>
-                <a:spcPct val="0"/>
-              </a:spcBef>
-              <a:spcAft>
-                <a:spcPct val="0"/>
-              </a:spcAft>
-              <a:buClrTx/>
-              <a:buSzTx/>
-              <a:buFontTx/>
-              <a:buNone/>
-              <a:tabLst/>
-            </a:pPr>
-            <a:br>
-              <a:rPr kumimoji="0" lang="de-DE" altLang="de-DE" sz="1800" b="0" i="0" u="none" strike="noStrike" cap="none" normalizeH="0" baseline="0" dirty="0">
-                <a:ln>
-                  <a:noFill/>
-                </a:ln>
-                <a:solidFill>
-                  <a:schemeClr val="tx1"/>
-                </a:solidFill>
-                <a:effectLst/>
-                <a:latin typeface="Arial" panose="020B0604020202020204" pitchFamily="34" charset="0"/>
-              </a:rPr>
-            </a:br>
-            <a:endParaRPr kumimoji="0" lang="de-DE" altLang="de-DE" sz="1800" b="0" i="0" u="none" strike="noStrike" cap="none" normalizeH="0" baseline="0" dirty="0">
-              <a:ln>
-                <a:noFill/>
-              </a:ln>
-              <a:solidFill>
-                <a:schemeClr val="tx1"/>
-              </a:solidFill>
-              <a:effectLst/>
-              <a:latin typeface="Arial" panose="020B0604020202020204" pitchFamily="34" charset="0"/>
-            </a:endParaRPr>
-          </a:p>
-          <a:p>
-            <a:pPr marL="0" marR="0" lvl="0" indent="0" algn="l" defTabSz="914400" rtl="0" eaLnBrk="0" fontAlgn="base" latinLnBrk="0" hangingPunct="0">
-              <a:lnSpc>
-                <a:spcPct val="100000"/>
-              </a:lnSpc>
-              <a:spcBef>
-                <a:spcPct val="0"/>
-              </a:spcBef>
-              <a:spcAft>
-                <a:spcPct val="0"/>
-              </a:spcAft>
-              <a:buClrTx/>
-              <a:buSzTx/>
-              <a:tabLst/>
-            </a:pPr>
-            <a:br>
-              <a:rPr kumimoji="0" lang="de-DE" altLang="de-DE" sz="1800" b="0" i="0" u="none" strike="noStrike" cap="none" normalizeH="0" baseline="0" dirty="0">
-                <a:ln>
-                  <a:noFill/>
-                </a:ln>
-                <a:solidFill>
-                  <a:schemeClr val="tx1"/>
-                </a:solidFill>
-                <a:effectLst/>
-                <a:latin typeface="Arial" panose="020B0604020202020204" pitchFamily="34" charset="0"/>
-              </a:rPr>
-            </a:br>
-            <a:endParaRPr kumimoji="0" lang="de-DE" altLang="de-DE" sz="1800" b="0" i="0" u="none" strike="noStrike" cap="none" normalizeH="0" baseline="0" dirty="0">
-              <a:ln>
-                <a:noFill/>
-              </a:ln>
-              <a:solidFill>
-                <a:schemeClr val="tx1"/>
-              </a:solidFill>
-              <a:effectLst/>
-              <a:latin typeface="Arial" panose="020B0604020202020204" pitchFamily="34" charset="0"/>
-            </a:endParaRPr>
-          </a:p>
-        </p:txBody>
-      </p:sp>
-      <p:sp>
-        <p:nvSpPr>
-          <p:cNvPr id="9" name="Rectangle 4">
-            <a:extLst>
-              <a:ext uri="{FF2B5EF4-FFF2-40B4-BE49-F238E27FC236}">
-                <a16:creationId xmlns:a16="http://schemas.microsoft.com/office/drawing/2014/main" id="{FEE30E9B-AA22-4FFF-AD9A-BF0D79C16DA8}"/>
-              </a:ext>
-            </a:extLst>
-          </p:cNvPr>
-          <p:cNvSpPr>
-            <a:spLocks noChangeArrowheads="1"/>
-          </p:cNvSpPr>
-          <p:nvPr/>
-        </p:nvSpPr>
-        <p:spPr bwMode="auto">
-          <a:xfrm>
-            <a:off x="6103800" y="2105347"/>
-            <a:ext cx="184731" cy="1107996"/>
-          </a:xfrm>
-          <a:prstGeom prst="rect">
-            <a:avLst/>
-          </a:prstGeom>
-          <a:noFill/>
-          <a:ln>
-            <a:noFill/>
-          </a:ln>
-          <a:effectLst/>
-          <a:extLst>
-            <a:ext uri="{909E8E84-426E-40DD-AFC4-6F175D3DCCD1}">
-              <a14:hiddenFill xmlns:a14="http://schemas.microsoft.com/office/drawing/2010/main">
-                <a:solidFill>
-                  <a:schemeClr val="accent1"/>
-                </a:solidFill>
-              </a14:hiddenFill>
-            </a:ext>
-            <a:ext uri="{91240B29-F687-4F45-9708-019B960494DF}">
-              <a14:hiddenLine xmlns:a14="http://schemas.microsoft.com/office/drawing/2010/main" w="9525">
-                <a:solidFill>
-                  <a:schemeClr val="tx1"/>
-                </a:solidFill>
-                <a:miter lim="800000"/>
-                <a:headEnd/>
-                <a:tailEnd/>
-              </a14:hiddenLine>
-            </a:ext>
-            <a:ext uri="{AF507438-7753-43E0-B8FC-AC1667EBCBE1}">
-              <a14:hiddenEffects xmlns:a14="http://schemas.microsoft.com/office/drawing/2010/main">
-                <a:effectLst>
-                  <a:outerShdw dist="35921" dir="2700000" algn="ctr" rotWithShape="0">
-                    <a:schemeClr val="bg2"/>
-                  </a:outerShdw>
-                </a:effectLst>
-              </a14:hiddenEffects>
-            </a:ext>
-          </a:extLst>
-        </p:spPr>
-        <p:txBody>
-          <a:bodyPr vert="horz" wrap="none" lIns="91440" tIns="0" rIns="91440" bIns="0" numCol="1" anchor="ctr" anchorCtr="0" compatLnSpc="1">
-            <a:prstTxWarp prst="textNoShape">
-              <a:avLst/>
-            </a:prstTxWarp>
-            <a:spAutoFit/>
-          </a:bodyPr>
-          <a:lstStyle>
-            <a:lvl1pPr eaLnBrk="0" fontAlgn="base" hangingPunct="0">
-              <a:spcBef>
-                <a:spcPct val="0"/>
-              </a:spcBef>
-              <a:spcAft>
-                <a:spcPct val="0"/>
-              </a:spcAft>
-              <a:defRPr>
-                <a:solidFill>
-                  <a:schemeClr val="tx1"/>
-                </a:solidFill>
-                <a:latin typeface="Arial" panose="020B0604020202020204" pitchFamily="34" charset="0"/>
-              </a:defRPr>
-            </a:lvl1pPr>
-            <a:lvl2pPr eaLnBrk="0" fontAlgn="base" hangingPunct="0">
-              <a:spcBef>
-                <a:spcPct val="0"/>
-              </a:spcBef>
-              <a:spcAft>
-                <a:spcPct val="0"/>
-              </a:spcAft>
-              <a:defRPr>
-                <a:solidFill>
-                  <a:schemeClr val="tx1"/>
-                </a:solidFill>
-                <a:latin typeface="Arial" panose="020B0604020202020204" pitchFamily="34" charset="0"/>
-              </a:defRPr>
-            </a:lvl2pPr>
-            <a:lvl3pPr eaLnBrk="0" fontAlgn="base" hangingPunct="0">
-              <a:spcBef>
-                <a:spcPct val="0"/>
-              </a:spcBef>
-              <a:spcAft>
-                <a:spcPct val="0"/>
-              </a:spcAft>
-              <a:defRPr>
-                <a:solidFill>
-                  <a:schemeClr val="tx1"/>
-                </a:solidFill>
-                <a:latin typeface="Arial" panose="020B0604020202020204" pitchFamily="34" charset="0"/>
-              </a:defRPr>
-            </a:lvl3pPr>
-            <a:lvl4pPr eaLnBrk="0" fontAlgn="base" hangingPunct="0">
-              <a:spcBef>
-                <a:spcPct val="0"/>
-              </a:spcBef>
-              <a:spcAft>
-                <a:spcPct val="0"/>
-              </a:spcAft>
-              <a:defRPr>
-                <a:solidFill>
-                  <a:schemeClr val="tx1"/>
-                </a:solidFill>
-                <a:latin typeface="Arial" panose="020B0604020202020204" pitchFamily="34" charset="0"/>
-              </a:defRPr>
-            </a:lvl4pPr>
-            <a:lvl5pPr eaLnBrk="0" fontAlgn="base" hangingPunct="0">
-              <a:spcBef>
-                <a:spcPct val="0"/>
-              </a:spcBef>
-              <a:spcAft>
-                <a:spcPct val="0"/>
-              </a:spcAft>
-              <a:defRPr>
-                <a:solidFill>
-                  <a:schemeClr val="tx1"/>
-                </a:solidFill>
-                <a:latin typeface="Arial" panose="020B0604020202020204" pitchFamily="34" charset="0"/>
-              </a:defRPr>
-            </a:lvl5pPr>
-            <a:lvl6pPr eaLnBrk="0" fontAlgn="base" hangingPunct="0">
-              <a:spcBef>
-                <a:spcPct val="0"/>
-              </a:spcBef>
-              <a:spcAft>
-                <a:spcPct val="0"/>
-              </a:spcAft>
-              <a:defRPr>
-                <a:solidFill>
-                  <a:schemeClr val="tx1"/>
-                </a:solidFill>
-                <a:latin typeface="Arial" panose="020B0604020202020204" pitchFamily="34" charset="0"/>
-              </a:defRPr>
-            </a:lvl6pPr>
-            <a:lvl7pPr eaLnBrk="0" fontAlgn="base" hangingPunct="0">
-              <a:spcBef>
-                <a:spcPct val="0"/>
-              </a:spcBef>
-              <a:spcAft>
-                <a:spcPct val="0"/>
-              </a:spcAft>
-              <a:defRPr>
-                <a:solidFill>
-                  <a:schemeClr val="tx1"/>
-                </a:solidFill>
-                <a:latin typeface="Arial" panose="020B0604020202020204" pitchFamily="34" charset="0"/>
-              </a:defRPr>
-            </a:lvl7pPr>
-            <a:lvl8pPr eaLnBrk="0" fontAlgn="base" hangingPunct="0">
-              <a:spcBef>
-                <a:spcPct val="0"/>
-              </a:spcBef>
-              <a:spcAft>
-                <a:spcPct val="0"/>
-              </a:spcAft>
-              <a:defRPr>
-                <a:solidFill>
-                  <a:schemeClr val="tx1"/>
-                </a:solidFill>
-                <a:latin typeface="Arial" panose="020B0604020202020204" pitchFamily="34" charset="0"/>
-              </a:defRPr>
-            </a:lvl8pPr>
-            <a:lvl9pPr eaLnBrk="0" fontAlgn="base" hangingPunct="0">
-              <a:spcBef>
-                <a:spcPct val="0"/>
-              </a:spcBef>
-              <a:spcAft>
-                <a:spcPct val="0"/>
-              </a:spcAft>
-              <a:defRPr>
-                <a:solidFill>
-                  <a:schemeClr val="tx1"/>
-                </a:solidFill>
-                <a:latin typeface="Arial" panose="020B0604020202020204" pitchFamily="34" charset="0"/>
-              </a:defRPr>
-            </a:lvl9pPr>
-          </a:lstStyle>
-          <a:p>
-            <a:pPr marL="0" marR="0" lvl="0" indent="0" algn="l" defTabSz="914400" rtl="0" eaLnBrk="0" fontAlgn="base" latinLnBrk="0" hangingPunct="0">
-              <a:lnSpc>
-                <a:spcPct val="100000"/>
-              </a:lnSpc>
-              <a:spcBef>
-                <a:spcPct val="0"/>
-              </a:spcBef>
-              <a:spcAft>
-                <a:spcPct val="0"/>
-              </a:spcAft>
-              <a:buClrTx/>
-              <a:buSzTx/>
-              <a:buFontTx/>
-              <a:buNone/>
-              <a:tabLst/>
-            </a:pPr>
-            <a:br>
-              <a:rPr kumimoji="0" lang="de-DE" altLang="de-DE" sz="1800" b="0" i="0" u="none" strike="noStrike" cap="none" normalizeH="0" baseline="0" dirty="0">
-                <a:ln>
-                  <a:noFill/>
-                </a:ln>
-                <a:solidFill>
-                  <a:schemeClr val="tx1"/>
-                </a:solidFill>
-                <a:effectLst/>
-                <a:latin typeface="Arial" panose="020B0604020202020204" pitchFamily="34" charset="0"/>
-              </a:rPr>
-            </a:br>
-            <a:endParaRPr kumimoji="0" lang="de-DE" altLang="de-DE" sz="1800" b="0" i="0" u="none" strike="noStrike" cap="none" normalizeH="0" baseline="0" dirty="0">
-              <a:ln>
-                <a:noFill/>
-              </a:ln>
-              <a:solidFill>
-                <a:schemeClr val="tx1"/>
-              </a:solidFill>
-              <a:effectLst/>
-              <a:latin typeface="Arial" panose="020B0604020202020204" pitchFamily="34" charset="0"/>
-            </a:endParaRPr>
-          </a:p>
-          <a:p>
-            <a:pPr marL="0" marR="0" lvl="0" indent="0" algn="l" defTabSz="914400" rtl="0" eaLnBrk="0" fontAlgn="base" latinLnBrk="0" hangingPunct="0">
-              <a:lnSpc>
-                <a:spcPct val="100000"/>
-              </a:lnSpc>
-              <a:spcBef>
-                <a:spcPct val="0"/>
-              </a:spcBef>
-              <a:spcAft>
-                <a:spcPct val="0"/>
-              </a:spcAft>
-              <a:buClrTx/>
-              <a:buSzTx/>
-              <a:tabLst/>
-            </a:pPr>
-            <a:br>
-              <a:rPr kumimoji="0" lang="de-DE" altLang="de-DE" sz="1800" b="0" i="0" u="none" strike="noStrike" cap="none" normalizeH="0" baseline="0" dirty="0">
-                <a:ln>
-                  <a:noFill/>
-                </a:ln>
-                <a:solidFill>
-                  <a:schemeClr val="tx1"/>
-                </a:solidFill>
-                <a:effectLst/>
-                <a:latin typeface="Arial" panose="020B0604020202020204" pitchFamily="34" charset="0"/>
-              </a:rPr>
-            </a:br>
-            <a:endParaRPr kumimoji="0" lang="de-DE" altLang="de-DE" sz="1800" b="0" i="0" u="none" strike="noStrike" cap="none" normalizeH="0" baseline="0" dirty="0">
-              <a:ln>
-                <a:noFill/>
-              </a:ln>
-              <a:solidFill>
-                <a:schemeClr val="tx1"/>
-              </a:solidFill>
-              <a:effectLst/>
-              <a:latin typeface="Arial" panose="020B0604020202020204" pitchFamily="34" charset="0"/>
-            </a:endParaRPr>
-          </a:p>
-        </p:txBody>
-      </p:sp>
-      <p:sp>
-        <p:nvSpPr>
-          <p:cNvPr id="13" name="Rectangle 5">
-            <a:extLst>
-              <a:ext uri="{FF2B5EF4-FFF2-40B4-BE49-F238E27FC236}">
-                <a16:creationId xmlns:a16="http://schemas.microsoft.com/office/drawing/2014/main" id="{5F34A1D1-E9C3-4539-9D84-A2A1D59674F2}"/>
-              </a:ext>
-            </a:extLst>
-          </p:cNvPr>
-          <p:cNvSpPr>
-            <a:spLocks noChangeArrowheads="1"/>
-          </p:cNvSpPr>
-          <p:nvPr/>
-        </p:nvSpPr>
-        <p:spPr bwMode="auto">
-          <a:xfrm>
-            <a:off x="1183304" y="2379429"/>
-            <a:ext cx="184731" cy="553998"/>
-          </a:xfrm>
-          <a:prstGeom prst="rect">
-            <a:avLst/>
-          </a:prstGeom>
-          <a:noFill/>
-          <a:ln>
-            <a:noFill/>
-          </a:ln>
-          <a:effectLst/>
-          <a:extLst>
-            <a:ext uri="{909E8E84-426E-40DD-AFC4-6F175D3DCCD1}">
-              <a14:hiddenFill xmlns:a14="http://schemas.microsoft.com/office/drawing/2010/main">
-                <a:solidFill>
-                  <a:schemeClr val="accent1"/>
-                </a:solidFill>
-              </a14:hiddenFill>
-            </a:ext>
-            <a:ext uri="{91240B29-F687-4F45-9708-019B960494DF}">
-              <a14:hiddenLine xmlns:a14="http://schemas.microsoft.com/office/drawing/2010/main" w="9525">
-                <a:solidFill>
-                  <a:schemeClr val="tx1"/>
-                </a:solidFill>
-                <a:miter lim="800000"/>
-                <a:headEnd/>
-                <a:tailEnd/>
-              </a14:hiddenLine>
-            </a:ext>
-            <a:ext uri="{AF507438-7753-43E0-B8FC-AC1667EBCBE1}">
-              <a14:hiddenEffects xmlns:a14="http://schemas.microsoft.com/office/drawing/2010/main">
-                <a:effectLst>
-                  <a:outerShdw dist="35921" dir="2700000" algn="ctr" rotWithShape="0">
-                    <a:schemeClr val="bg2"/>
-                  </a:outerShdw>
-                </a:effectLst>
-              </a14:hiddenEffects>
-            </a:ext>
-          </a:extLst>
-        </p:spPr>
-        <p:txBody>
-          <a:bodyPr vert="horz" wrap="none" lIns="91440" tIns="0" rIns="91440" bIns="0" numCol="1" anchor="ctr" anchorCtr="0" compatLnSpc="1">
-            <a:prstTxWarp prst="textNoShape">
-              <a:avLst/>
-            </a:prstTxWarp>
-            <a:spAutoFit/>
-          </a:bodyPr>
-          <a:lstStyle>
-            <a:lvl1pPr eaLnBrk="0" fontAlgn="base" hangingPunct="0">
-              <a:spcBef>
-                <a:spcPct val="0"/>
-              </a:spcBef>
-              <a:spcAft>
-                <a:spcPct val="0"/>
-              </a:spcAft>
-              <a:defRPr>
-                <a:solidFill>
-                  <a:schemeClr val="tx1"/>
-                </a:solidFill>
-                <a:latin typeface="Arial" panose="020B0604020202020204" pitchFamily="34" charset="0"/>
-              </a:defRPr>
-            </a:lvl1pPr>
-            <a:lvl2pPr eaLnBrk="0" fontAlgn="base" hangingPunct="0">
-              <a:spcBef>
-                <a:spcPct val="0"/>
-              </a:spcBef>
-              <a:spcAft>
-                <a:spcPct val="0"/>
-              </a:spcAft>
-              <a:defRPr>
-                <a:solidFill>
-                  <a:schemeClr val="tx1"/>
-                </a:solidFill>
-                <a:latin typeface="Arial" panose="020B0604020202020204" pitchFamily="34" charset="0"/>
-              </a:defRPr>
-            </a:lvl2pPr>
-            <a:lvl3pPr eaLnBrk="0" fontAlgn="base" hangingPunct="0">
-              <a:spcBef>
-                <a:spcPct val="0"/>
-              </a:spcBef>
-              <a:spcAft>
-                <a:spcPct val="0"/>
-              </a:spcAft>
-              <a:defRPr>
-                <a:solidFill>
-                  <a:schemeClr val="tx1"/>
-                </a:solidFill>
-                <a:latin typeface="Arial" panose="020B0604020202020204" pitchFamily="34" charset="0"/>
-              </a:defRPr>
-            </a:lvl3pPr>
-            <a:lvl4pPr eaLnBrk="0" fontAlgn="base" hangingPunct="0">
-              <a:spcBef>
-                <a:spcPct val="0"/>
-              </a:spcBef>
-              <a:spcAft>
-                <a:spcPct val="0"/>
-              </a:spcAft>
-              <a:defRPr>
-                <a:solidFill>
-                  <a:schemeClr val="tx1"/>
-                </a:solidFill>
-                <a:latin typeface="Arial" panose="020B0604020202020204" pitchFamily="34" charset="0"/>
-              </a:defRPr>
-            </a:lvl4pPr>
-            <a:lvl5pPr eaLnBrk="0" fontAlgn="base" hangingPunct="0">
-              <a:spcBef>
-                <a:spcPct val="0"/>
-              </a:spcBef>
-              <a:spcAft>
-                <a:spcPct val="0"/>
-              </a:spcAft>
-              <a:defRPr>
-                <a:solidFill>
-                  <a:schemeClr val="tx1"/>
-                </a:solidFill>
-                <a:latin typeface="Arial" panose="020B0604020202020204" pitchFamily="34" charset="0"/>
-              </a:defRPr>
-            </a:lvl5pPr>
-            <a:lvl6pPr eaLnBrk="0" fontAlgn="base" hangingPunct="0">
-              <a:spcBef>
-                <a:spcPct val="0"/>
-              </a:spcBef>
-              <a:spcAft>
-                <a:spcPct val="0"/>
-              </a:spcAft>
-              <a:defRPr>
-                <a:solidFill>
-                  <a:schemeClr val="tx1"/>
-                </a:solidFill>
-                <a:latin typeface="Arial" panose="020B0604020202020204" pitchFamily="34" charset="0"/>
-              </a:defRPr>
-            </a:lvl6pPr>
-            <a:lvl7pPr eaLnBrk="0" fontAlgn="base" hangingPunct="0">
-              <a:spcBef>
-                <a:spcPct val="0"/>
-              </a:spcBef>
-              <a:spcAft>
-                <a:spcPct val="0"/>
-              </a:spcAft>
-              <a:defRPr>
-                <a:solidFill>
-                  <a:schemeClr val="tx1"/>
-                </a:solidFill>
-                <a:latin typeface="Arial" panose="020B0604020202020204" pitchFamily="34" charset="0"/>
-              </a:defRPr>
-            </a:lvl7pPr>
-            <a:lvl8pPr eaLnBrk="0" fontAlgn="base" hangingPunct="0">
-              <a:spcBef>
-                <a:spcPct val="0"/>
-              </a:spcBef>
-              <a:spcAft>
-                <a:spcPct val="0"/>
-              </a:spcAft>
-              <a:defRPr>
-                <a:solidFill>
-                  <a:schemeClr val="tx1"/>
-                </a:solidFill>
-                <a:latin typeface="Arial" panose="020B0604020202020204" pitchFamily="34" charset="0"/>
-              </a:defRPr>
-            </a:lvl8pPr>
-            <a:lvl9pPr eaLnBrk="0" fontAlgn="base" hangingPunct="0">
-              <a:spcBef>
-                <a:spcPct val="0"/>
-              </a:spcBef>
-              <a:spcAft>
-                <a:spcPct val="0"/>
-              </a:spcAft>
-              <a:defRPr>
-                <a:solidFill>
-                  <a:schemeClr val="tx1"/>
-                </a:solidFill>
-                <a:latin typeface="Arial" panose="020B0604020202020204" pitchFamily="34" charset="0"/>
-              </a:defRPr>
-            </a:lvl9pPr>
-          </a:lstStyle>
-          <a:p>
-            <a:pPr marL="0" marR="0" lvl="0" indent="0" algn="l" defTabSz="914400" rtl="0" eaLnBrk="0" fontAlgn="base" latinLnBrk="0" hangingPunct="0">
-              <a:lnSpc>
-                <a:spcPct val="100000"/>
-              </a:lnSpc>
-              <a:spcBef>
-                <a:spcPct val="0"/>
-              </a:spcBef>
-              <a:spcAft>
-                <a:spcPct val="0"/>
-              </a:spcAft>
-              <a:buClrTx/>
-              <a:buSzTx/>
-              <a:buFontTx/>
-              <a:buNone/>
-              <a:tabLst/>
-            </a:pPr>
-            <a:br>
-              <a:rPr kumimoji="0" lang="de-DE" altLang="de-DE" sz="1800" b="0" i="0" u="none" strike="noStrike" cap="none" normalizeH="0" baseline="0" dirty="0">
-                <a:ln>
-                  <a:noFill/>
-                </a:ln>
-                <a:solidFill>
-                  <a:schemeClr val="tx1"/>
-                </a:solidFill>
-                <a:effectLst/>
-                <a:latin typeface="Arial" panose="020B0604020202020204" pitchFamily="34" charset="0"/>
-              </a:rPr>
-            </a:br>
-            <a:endParaRPr kumimoji="0" lang="de-DE" altLang="de-DE" sz="1800" b="0" i="0" u="none" strike="noStrike" cap="none" normalizeH="0" baseline="0" dirty="0">
-              <a:ln>
-                <a:noFill/>
-              </a:ln>
-              <a:solidFill>
-                <a:schemeClr val="tx1"/>
-              </a:solidFill>
-              <a:effectLst/>
-              <a:latin typeface="Arial" panose="020B0604020202020204" pitchFamily="34" charset="0"/>
-            </a:endParaRPr>
-          </a:p>
-        </p:txBody>
-      </p:sp>
-      <p:sp>
-        <p:nvSpPr>
-          <p:cNvPr id="2" name="Textfeld 1">
-            <a:extLst>
-              <a:ext uri="{FF2B5EF4-FFF2-40B4-BE49-F238E27FC236}">
-                <a16:creationId xmlns:a16="http://schemas.microsoft.com/office/drawing/2014/main" id="{9DEF2B1E-4BDD-4FA8-BE90-87C504720620}"/>
-              </a:ext>
-            </a:extLst>
-          </p:cNvPr>
-          <p:cNvSpPr txBox="1"/>
-          <p:nvPr/>
-        </p:nvSpPr>
-        <p:spPr>
-          <a:xfrm>
-            <a:off x="318600" y="2469874"/>
-            <a:ext cx="9378556" cy="3970318"/>
-          </a:xfrm>
-          <a:prstGeom prst="rect">
-            <a:avLst/>
-          </a:prstGeom>
-          <a:noFill/>
-        </p:spPr>
-        <p:txBody>
-          <a:bodyPr wrap="square" rtlCol="0">
-            <a:spAutoFit/>
-          </a:bodyPr>
-          <a:lstStyle/>
-          <a:p>
-            <a:pPr marL="457200" indent="-457200">
-              <a:buFont typeface="+mj-lt"/>
-              <a:buAutoNum type="arabicPeriod"/>
-            </a:pPr>
-            <a:r>
-              <a:rPr lang="de-DE" sz="2400" dirty="0">
-                <a:latin typeface="LMU CompatilFact"/>
-              </a:rPr>
-              <a:t>Viele Dimensionen (1280 Dimensionen über </a:t>
-            </a:r>
-            <a:r>
-              <a:rPr lang="de-DE" sz="2400" dirty="0" err="1">
-                <a:latin typeface="LMU CompatilFact"/>
-              </a:rPr>
-              <a:t>ca</a:t>
-            </a:r>
-            <a:r>
-              <a:rPr lang="de-DE" sz="2400" dirty="0">
-                <a:latin typeface="LMU CompatilFact"/>
-              </a:rPr>
-              <a:t> 25 Millionen Beobachtungen)</a:t>
-            </a:r>
-          </a:p>
-          <a:p>
-            <a:pPr marL="457200" indent="-457200">
-              <a:buFont typeface="+mj-lt"/>
-              <a:buAutoNum type="arabicPeriod"/>
-            </a:pPr>
-            <a:r>
-              <a:rPr lang="de-DE" sz="2400" dirty="0">
-                <a:latin typeface="LMU CompatilFact"/>
-              </a:rPr>
-              <a:t>Große Auswahl an Clusteralgorithmen und </a:t>
-            </a:r>
-            <a:r>
-              <a:rPr lang="de-DE" sz="2400" dirty="0" err="1">
-                <a:latin typeface="LMU CompatilFact"/>
-              </a:rPr>
-              <a:t>Distanzmetriken</a:t>
-            </a:r>
-            <a:endParaRPr lang="de-DE" sz="2400" dirty="0">
-              <a:latin typeface="LMU CompatilFact"/>
-            </a:endParaRPr>
-          </a:p>
-          <a:p>
-            <a:pPr marL="457200" indent="-457200">
-              <a:buFont typeface="+mj-lt"/>
-              <a:buAutoNum type="arabicPeriod"/>
-            </a:pPr>
-            <a:r>
-              <a:rPr lang="de-DE" sz="2400" dirty="0">
-                <a:latin typeface="LMU CompatilFact"/>
-              </a:rPr>
-              <a:t>Wichtigkeit der örtlichen Komponente</a:t>
-            </a:r>
-          </a:p>
-          <a:p>
-            <a:pPr marL="457200" indent="-457200">
-              <a:buFont typeface="+mj-lt"/>
-              <a:buAutoNum type="arabicPeriod"/>
-            </a:pPr>
-            <a:r>
-              <a:rPr lang="de-DE" sz="2400" dirty="0" err="1">
-                <a:latin typeface="LMU CompatilFact"/>
-              </a:rPr>
-              <a:t>GWL‘s</a:t>
-            </a:r>
-            <a:r>
-              <a:rPr lang="de-DE" sz="2400" dirty="0">
-                <a:latin typeface="LMU CompatilFact"/>
-              </a:rPr>
-              <a:t> werden auch anhand von Variablen definiert, die uns nicht zur Verfügung stehen (z.B. Strömungsrichtung des Windes)</a:t>
-            </a:r>
-          </a:p>
-          <a:p>
-            <a:pPr marL="457200" indent="-457200">
-              <a:buFont typeface="+mj-lt"/>
-              <a:buAutoNum type="arabicPeriod"/>
-            </a:pPr>
-            <a:r>
-              <a:rPr lang="de-DE" sz="2400" dirty="0">
-                <a:latin typeface="LMU CompatilFact"/>
-              </a:rPr>
-              <a:t>Variablen außerhalb der erhobenen Daten sind auch von Interesse (z.B. Saison, Gewichtung von Europa)</a:t>
-            </a:r>
-          </a:p>
-          <a:p>
-            <a:pPr marL="457200" indent="-457200">
-              <a:buFont typeface="+mj-lt"/>
-              <a:buAutoNum type="arabicPeriod"/>
-            </a:pPr>
-            <a:endParaRPr lang="de-DE" sz="2400" dirty="0">
-              <a:latin typeface="LMU CompatilFact"/>
-            </a:endParaRPr>
-          </a:p>
-          <a:p>
-            <a:endParaRPr lang="de-DE" dirty="0"/>
-          </a:p>
-          <a:p>
-            <a:pPr marL="285750" indent="-285750">
-              <a:buFont typeface="Arial" panose="020B0604020202020204" pitchFamily="34" charset="0"/>
-              <a:buChar char="•"/>
-            </a:pPr>
-            <a:endParaRPr lang="de-DE" dirty="0"/>
+              <a:t>Clustern pro Tag</a:t>
+            </a:r>
+            <a:endParaRPr lang="en-US" sz="4800" b="0" strike="noStrike" spc="-1">
+              <a:latin typeface="Arial"/>
+            </a:endParaRPr>
           </a:p>
         </p:txBody>
       </p:sp>
     </p:spTree>
-    <p:extLst>
-      <p:ext uri="{BB962C8B-B14F-4D97-AF65-F5344CB8AC3E}">
-        <p14:creationId xmlns:p14="http://schemas.microsoft.com/office/powerpoint/2010/main" val="270589559"/>
-      </p:ext>
-    </p:extLst>
   </p:cSld>
   <p:clrMapOvr>
     <a:masterClrMapping/>
@@ -14667,7 +14061,7 @@
       </p:grpSpPr>
       <p:sp>
         <p:nvSpPr>
-          <p:cNvPr id="215" name="CustomShape 1"/>
+          <p:cNvPr id="208" name="CustomShape 1"/>
           <p:cNvSpPr/>
           <p:nvPr/>
         </p:nvSpPr>
@@ -14707,7 +14101,7 @@
                 <a:spcPct val="100000"/>
               </a:lnSpc>
             </a:pPr>
-            <a:fld id="{7E89CDBD-EA66-441F-A440-51EC67F0947D}" type="slidenum">
+            <a:fld id="{2BFEA7F1-5216-4B02-A4C0-C4A29E7F39B7}" type="slidenum">
               <a:rPr lang="de-DE" sz="1400" b="0" strike="noStrike" spc="-1">
                 <a:solidFill>
                   <a:srgbClr val="006C30"/>
@@ -14724,7 +14118,7 @@
       </p:sp>
       <p:sp>
         <p:nvSpPr>
-          <p:cNvPr id="216" name="CustomShape 2"/>
+          <p:cNvPr id="209" name="CustomShape 2"/>
           <p:cNvSpPr/>
           <p:nvPr/>
         </p:nvSpPr>
@@ -14767,7 +14161,7 @@
               </a:lnSpc>
             </a:pPr>
             <a:r>
-              <a:rPr lang="de-DE" sz="1400" b="0" strike="noStrike" spc="-1">
+              <a:rPr lang="de-DE" sz="1400" b="0" strike="noStrike" spc="-1" dirty="0">
                 <a:solidFill>
                   <a:srgbClr val="006C30"/>
                 </a:solidFill>
@@ -14775,15 +14169,15 @@
               </a:rPr>
               <a:t>Zwischenpräsentation am 21.12.2020</a:t>
             </a:r>
-            <a:endParaRPr lang="en-US" sz="1400" b="0" strike="noStrike" spc="-1">
-              <a:latin typeface="Arial"/>
-            </a:endParaRPr>
-          </a:p>
-        </p:txBody>
-      </p:sp>
-      <p:sp>
-        <p:nvSpPr>
-          <p:cNvPr id="217" name="CustomShape 3"/>
+            <a:endParaRPr lang="en-US" sz="1400" b="0" strike="noStrike" spc="-1" dirty="0">
+              <a:latin typeface="Arial"/>
+            </a:endParaRPr>
+          </a:p>
+        </p:txBody>
+      </p:sp>
+      <p:sp>
+        <p:nvSpPr>
+          <p:cNvPr id="210" name="CustomShape 3"/>
           <p:cNvSpPr/>
           <p:nvPr/>
         </p:nvSpPr>
@@ -14820,7 +14214,7 @@
       </p:sp>
       <p:sp>
         <p:nvSpPr>
-          <p:cNvPr id="218" name="CustomShape 4"/>
+          <p:cNvPr id="211" name="CustomShape 4"/>
           <p:cNvSpPr/>
           <p:nvPr/>
         </p:nvSpPr>
@@ -14877,7 +14271,7 @@
       </p:sp>
       <p:sp>
         <p:nvSpPr>
-          <p:cNvPr id="219" name="CustomShape 5"/>
+          <p:cNvPr id="212" name="CustomShape 5"/>
           <p:cNvSpPr/>
           <p:nvPr/>
         </p:nvSpPr>
@@ -14955,7 +14349,7 @@
       </p:sp>
       <p:sp>
         <p:nvSpPr>
-          <p:cNvPr id="220" name="CustomShape 6"/>
+          <p:cNvPr id="213" name="CustomShape 6"/>
           <p:cNvSpPr/>
           <p:nvPr/>
         </p:nvSpPr>
@@ -14990,7 +14384,7 @@
           </a:bodyPr>
           <a:lstStyle/>
           <a:p>
-            <a:pPr marL="216000" indent="-215640">
+            <a:pPr marL="720">
               <a:lnSpc>
                 <a:spcPct val="100000"/>
               </a:lnSpc>
@@ -15000,112 +14394,16 @@
               <a:buClr>
                 <a:srgbClr val="000000"/>
               </a:buClr>
-              <a:buSzPct val="45000"/>
-              <a:buFont typeface="Wingdings" charset="2"/>
-              <a:buChar char=""/>
-            </a:pPr>
-            <a:r>
-              <a:rPr lang="de-DE" sz="2800" b="0" strike="noStrike" spc="-1">
-                <a:solidFill>
-                  <a:srgbClr val="C9211E"/>
-                </a:solidFill>
-                <a:latin typeface="LMU CompatilFact"/>
-              </a:rPr>
-              <a:t>##Insert why##</a:t>
-            </a:r>
-            <a:endParaRPr lang="en-US" sz="2800" b="0" strike="noStrike" spc="-1">
-              <a:latin typeface="Arial"/>
-            </a:endParaRPr>
-          </a:p>
-          <a:p>
-            <a:pPr marL="216000" indent="-215640">
-              <a:lnSpc>
-                <a:spcPct val="100000"/>
-              </a:lnSpc>
-              <a:spcAft>
-                <a:spcPts val="601"/>
-              </a:spcAft>
-              <a:buClr>
-                <a:srgbClr val="000000"/>
-              </a:buClr>
-              <a:buSzPct val="45000"/>
-              <a:buFont typeface="Wingdings" charset="2"/>
-              <a:buChar char=""/>
-            </a:pPr>
-            <a:r>
-              <a:rPr lang="de-DE" sz="2800" b="0" strike="noStrike" spc="-1">
-                <a:solidFill>
-                  <a:srgbClr val="C9211E"/>
-                </a:solidFill>
-                <a:latin typeface="LMU CompatilFact"/>
-              </a:rPr>
-              <a:t>##Insert what is DBSCAN</a:t>
-            </a:r>
-            <a:endParaRPr lang="en-US" sz="2800" b="0" strike="noStrike" spc="-1">
-              <a:latin typeface="Arial"/>
-            </a:endParaRPr>
-          </a:p>
-          <a:p>
-            <a:pPr marL="216000" indent="-215640">
-              <a:lnSpc>
-                <a:spcPct val="100000"/>
-              </a:lnSpc>
-              <a:spcAft>
-                <a:spcPts val="601"/>
-              </a:spcAft>
-              <a:buClr>
-                <a:srgbClr val="000000"/>
-              </a:buClr>
-              <a:buSzPct val="45000"/>
-              <a:buFont typeface="Wingdings" charset="2"/>
-              <a:buChar char=""/>
-            </a:pPr>
-            <a:r>
-              <a:rPr lang="de-DE" sz="2800" b="0" strike="noStrike" spc="-1">
-                <a:solidFill>
-                  <a:srgbClr val="C9211E"/>
-                </a:solidFill>
-                <a:latin typeface="LMU CompatilFact"/>
-              </a:rPr>
-              <a:t>##Insert plots of dbscans</a:t>
-            </a:r>
-            <a:endParaRPr lang="en-US" sz="2800" b="0" strike="noStrike" spc="-1">
-              <a:latin typeface="Arial"/>
-            </a:endParaRPr>
-          </a:p>
-          <a:p>
-            <a:pPr marL="216000" indent="-215640">
-              <a:lnSpc>
-                <a:spcPct val="100000"/>
-              </a:lnSpc>
-              <a:spcAft>
-                <a:spcPts val="601"/>
-              </a:spcAft>
-              <a:buClr>
-                <a:srgbClr val="000000"/>
-              </a:buClr>
-              <a:buSzPct val="45000"/>
-              <a:buFont typeface="Wingdings" charset="2"/>
-              <a:buChar char=""/>
-            </a:pPr>
-            <a:r>
-              <a:rPr lang="de-DE" sz="2800" b="0" strike="noStrike" spc="-1">
-                <a:solidFill>
-                  <a:srgbClr val="C9211E"/>
-                </a:solidFill>
-                <a:latin typeface="LMU CompatilFact"/>
-              </a:rPr>
-              <a:t>##Insert table of variables from this</a:t>
-            </a:r>
-            <a:endParaRPr lang="en-US" sz="2800" b="0" strike="noStrike" spc="-1">
-              <a:latin typeface="Arial"/>
-            </a:endParaRPr>
-          </a:p>
-        </p:txBody>
-      </p:sp>
-      <p:sp>
-        <p:nvSpPr>
-          <p:cNvPr id="221" name="CustomShape 7"/>
+            </a:pPr>
+            <a:endParaRPr lang="en-US" sz="2800" b="0" strike="noStrike" spc="-1" dirty="0">
+              <a:latin typeface="Arial"/>
+            </a:endParaRPr>
+          </a:p>
+        </p:txBody>
+      </p:sp>
+      <p:sp>
+        <p:nvSpPr>
+          <p:cNvPr id="214" name="CustomShape 7"/>
           <p:cNvSpPr/>
           <p:nvPr/>
         </p:nvSpPr>
@@ -15152,22 +14450,931 @@
               </a:tabLst>
             </a:pPr>
             <a:r>
-              <a:rPr lang="de-DE" sz="4800" b="1" strike="noStrike" spc="-1">
+              <a:rPr lang="de-DE" sz="4800" b="1" strike="noStrike" spc="-1" dirty="0">
                 <a:solidFill>
                   <a:srgbClr val="000000"/>
                 </a:solidFill>
                 <a:latin typeface="LMU CompatilFact"/>
                 <a:ea typeface="DejaVu Sans"/>
               </a:rPr>
-              <a:t>Clustern pro Tag</a:t>
-            </a:r>
-            <a:endParaRPr lang="en-US" sz="4800" b="0" strike="noStrike" spc="-1">
-              <a:latin typeface="Arial"/>
-            </a:endParaRPr>
+              <a:t>Probleme</a:t>
+            </a:r>
+            <a:endParaRPr lang="en-US" sz="4800" b="0" strike="noStrike" spc="-1" dirty="0">
+              <a:latin typeface="Arial"/>
+            </a:endParaRPr>
+          </a:p>
+        </p:txBody>
+      </p:sp>
+      <p:sp>
+        <p:nvSpPr>
+          <p:cNvPr id="3" name="Rectangle 1">
+            <a:extLst>
+              <a:ext uri="{FF2B5EF4-FFF2-40B4-BE49-F238E27FC236}">
+                <a16:creationId xmlns:a16="http://schemas.microsoft.com/office/drawing/2014/main" id="{8E77B90C-F82C-44E6-A46E-400DE5629F4B}"/>
+              </a:ext>
+            </a:extLst>
+          </p:cNvPr>
+          <p:cNvSpPr>
+            <a:spLocks noChangeArrowheads="1"/>
+          </p:cNvSpPr>
+          <p:nvPr/>
+        </p:nvSpPr>
+        <p:spPr bwMode="auto">
+          <a:xfrm>
+            <a:off x="4559300" y="1050965"/>
+            <a:ext cx="184731" cy="1107996"/>
+          </a:xfrm>
+          <a:prstGeom prst="rect">
+            <a:avLst/>
+          </a:prstGeom>
+          <a:noFill/>
+          <a:ln>
+            <a:noFill/>
+          </a:ln>
+          <a:effectLst/>
+          <a:extLst>
+            <a:ext uri="{909E8E84-426E-40DD-AFC4-6F175D3DCCD1}">
+              <a14:hiddenFill xmlns:a14="http://schemas.microsoft.com/office/drawing/2010/main">
+                <a:solidFill>
+                  <a:schemeClr val="accent1"/>
+                </a:solidFill>
+              </a14:hiddenFill>
+            </a:ext>
+            <a:ext uri="{91240B29-F687-4F45-9708-019B960494DF}">
+              <a14:hiddenLine xmlns:a14="http://schemas.microsoft.com/office/drawing/2010/main" w="9525">
+                <a:solidFill>
+                  <a:schemeClr val="tx1"/>
+                </a:solidFill>
+                <a:miter lim="800000"/>
+                <a:headEnd/>
+                <a:tailEnd/>
+              </a14:hiddenLine>
+            </a:ext>
+            <a:ext uri="{AF507438-7753-43E0-B8FC-AC1667EBCBE1}">
+              <a14:hiddenEffects xmlns:a14="http://schemas.microsoft.com/office/drawing/2010/main">
+                <a:effectLst>
+                  <a:outerShdw dist="35921" dir="2700000" algn="ctr" rotWithShape="0">
+                    <a:schemeClr val="bg2"/>
+                  </a:outerShdw>
+                </a:effectLst>
+              </a14:hiddenEffects>
+            </a:ext>
+          </a:extLst>
+        </p:spPr>
+        <p:txBody>
+          <a:bodyPr vert="horz" wrap="none" lIns="91440" tIns="0" rIns="91440" bIns="0" numCol="1" anchor="ctr" anchorCtr="0" compatLnSpc="1">
+            <a:prstTxWarp prst="textNoShape">
+              <a:avLst/>
+            </a:prstTxWarp>
+            <a:spAutoFit/>
+          </a:bodyPr>
+          <a:lstStyle>
+            <a:lvl1pPr eaLnBrk="0" fontAlgn="base" hangingPunct="0">
+              <a:spcBef>
+                <a:spcPct val="0"/>
+              </a:spcBef>
+              <a:spcAft>
+                <a:spcPct val="0"/>
+              </a:spcAft>
+              <a:defRPr>
+                <a:solidFill>
+                  <a:schemeClr val="tx1"/>
+                </a:solidFill>
+                <a:latin typeface="Arial" panose="020B0604020202020204" pitchFamily="34" charset="0"/>
+              </a:defRPr>
+            </a:lvl1pPr>
+            <a:lvl2pPr eaLnBrk="0" fontAlgn="base" hangingPunct="0">
+              <a:spcBef>
+                <a:spcPct val="0"/>
+              </a:spcBef>
+              <a:spcAft>
+                <a:spcPct val="0"/>
+              </a:spcAft>
+              <a:defRPr>
+                <a:solidFill>
+                  <a:schemeClr val="tx1"/>
+                </a:solidFill>
+                <a:latin typeface="Arial" panose="020B0604020202020204" pitchFamily="34" charset="0"/>
+              </a:defRPr>
+            </a:lvl2pPr>
+            <a:lvl3pPr eaLnBrk="0" fontAlgn="base" hangingPunct="0">
+              <a:spcBef>
+                <a:spcPct val="0"/>
+              </a:spcBef>
+              <a:spcAft>
+                <a:spcPct val="0"/>
+              </a:spcAft>
+              <a:defRPr>
+                <a:solidFill>
+                  <a:schemeClr val="tx1"/>
+                </a:solidFill>
+                <a:latin typeface="Arial" panose="020B0604020202020204" pitchFamily="34" charset="0"/>
+              </a:defRPr>
+            </a:lvl3pPr>
+            <a:lvl4pPr eaLnBrk="0" fontAlgn="base" hangingPunct="0">
+              <a:spcBef>
+                <a:spcPct val="0"/>
+              </a:spcBef>
+              <a:spcAft>
+                <a:spcPct val="0"/>
+              </a:spcAft>
+              <a:defRPr>
+                <a:solidFill>
+                  <a:schemeClr val="tx1"/>
+                </a:solidFill>
+                <a:latin typeface="Arial" panose="020B0604020202020204" pitchFamily="34" charset="0"/>
+              </a:defRPr>
+            </a:lvl4pPr>
+            <a:lvl5pPr eaLnBrk="0" fontAlgn="base" hangingPunct="0">
+              <a:spcBef>
+                <a:spcPct val="0"/>
+              </a:spcBef>
+              <a:spcAft>
+                <a:spcPct val="0"/>
+              </a:spcAft>
+              <a:defRPr>
+                <a:solidFill>
+                  <a:schemeClr val="tx1"/>
+                </a:solidFill>
+                <a:latin typeface="Arial" panose="020B0604020202020204" pitchFamily="34" charset="0"/>
+              </a:defRPr>
+            </a:lvl5pPr>
+            <a:lvl6pPr eaLnBrk="0" fontAlgn="base" hangingPunct="0">
+              <a:spcBef>
+                <a:spcPct val="0"/>
+              </a:spcBef>
+              <a:spcAft>
+                <a:spcPct val="0"/>
+              </a:spcAft>
+              <a:defRPr>
+                <a:solidFill>
+                  <a:schemeClr val="tx1"/>
+                </a:solidFill>
+                <a:latin typeface="Arial" panose="020B0604020202020204" pitchFamily="34" charset="0"/>
+              </a:defRPr>
+            </a:lvl6pPr>
+            <a:lvl7pPr eaLnBrk="0" fontAlgn="base" hangingPunct="0">
+              <a:spcBef>
+                <a:spcPct val="0"/>
+              </a:spcBef>
+              <a:spcAft>
+                <a:spcPct val="0"/>
+              </a:spcAft>
+              <a:defRPr>
+                <a:solidFill>
+                  <a:schemeClr val="tx1"/>
+                </a:solidFill>
+                <a:latin typeface="Arial" panose="020B0604020202020204" pitchFamily="34" charset="0"/>
+              </a:defRPr>
+            </a:lvl7pPr>
+            <a:lvl8pPr eaLnBrk="0" fontAlgn="base" hangingPunct="0">
+              <a:spcBef>
+                <a:spcPct val="0"/>
+              </a:spcBef>
+              <a:spcAft>
+                <a:spcPct val="0"/>
+              </a:spcAft>
+              <a:defRPr>
+                <a:solidFill>
+                  <a:schemeClr val="tx1"/>
+                </a:solidFill>
+                <a:latin typeface="Arial" panose="020B0604020202020204" pitchFamily="34" charset="0"/>
+              </a:defRPr>
+            </a:lvl8pPr>
+            <a:lvl9pPr eaLnBrk="0" fontAlgn="base" hangingPunct="0">
+              <a:spcBef>
+                <a:spcPct val="0"/>
+              </a:spcBef>
+              <a:spcAft>
+                <a:spcPct val="0"/>
+              </a:spcAft>
+              <a:defRPr>
+                <a:solidFill>
+                  <a:schemeClr val="tx1"/>
+                </a:solidFill>
+                <a:latin typeface="Arial" panose="020B0604020202020204" pitchFamily="34" charset="0"/>
+              </a:defRPr>
+            </a:lvl9pPr>
+          </a:lstStyle>
+          <a:p>
+            <a:pPr marL="0" marR="0" lvl="0" indent="0" algn="l" defTabSz="914400" rtl="0" eaLnBrk="0" fontAlgn="base" latinLnBrk="0" hangingPunct="0">
+              <a:lnSpc>
+                <a:spcPct val="100000"/>
+              </a:lnSpc>
+              <a:spcBef>
+                <a:spcPct val="0"/>
+              </a:spcBef>
+              <a:spcAft>
+                <a:spcPct val="0"/>
+              </a:spcAft>
+              <a:buClrTx/>
+              <a:buSzTx/>
+              <a:buFontTx/>
+              <a:buNone/>
+              <a:tabLst/>
+            </a:pPr>
+            <a:br>
+              <a:rPr kumimoji="0" lang="de-DE" altLang="de-DE" sz="1800" b="0" i="0" u="none" strike="noStrike" cap="none" normalizeH="0" baseline="0" dirty="0">
+                <a:ln>
+                  <a:noFill/>
+                </a:ln>
+                <a:solidFill>
+                  <a:schemeClr val="tx1"/>
+                </a:solidFill>
+                <a:effectLst/>
+                <a:latin typeface="Arial" panose="020B0604020202020204" pitchFamily="34" charset="0"/>
+              </a:rPr>
+            </a:br>
+            <a:endParaRPr kumimoji="0" lang="de-DE" altLang="de-DE" sz="1800" b="0" i="0" u="none" strike="noStrike" cap="none" normalizeH="0" baseline="0" dirty="0">
+              <a:ln>
+                <a:noFill/>
+              </a:ln>
+              <a:solidFill>
+                <a:schemeClr val="tx1"/>
+              </a:solidFill>
+              <a:effectLst/>
+              <a:latin typeface="Arial" panose="020B0604020202020204" pitchFamily="34" charset="0"/>
+            </a:endParaRPr>
+          </a:p>
+          <a:p>
+            <a:pPr marL="0" marR="0" lvl="0" indent="0" algn="l" defTabSz="914400" rtl="0" eaLnBrk="0" fontAlgn="base" latinLnBrk="0" hangingPunct="0">
+              <a:lnSpc>
+                <a:spcPct val="100000"/>
+              </a:lnSpc>
+              <a:spcBef>
+                <a:spcPct val="0"/>
+              </a:spcBef>
+              <a:spcAft>
+                <a:spcPct val="0"/>
+              </a:spcAft>
+              <a:buClrTx/>
+              <a:buSzTx/>
+              <a:tabLst/>
+            </a:pPr>
+            <a:br>
+              <a:rPr kumimoji="0" lang="de-DE" altLang="de-DE" sz="1800" b="0" i="0" u="none" strike="noStrike" cap="none" normalizeH="0" baseline="0" dirty="0">
+                <a:ln>
+                  <a:noFill/>
+                </a:ln>
+                <a:solidFill>
+                  <a:schemeClr val="tx1"/>
+                </a:solidFill>
+                <a:effectLst/>
+                <a:latin typeface="Arial" panose="020B0604020202020204" pitchFamily="34" charset="0"/>
+              </a:rPr>
+            </a:br>
+            <a:endParaRPr kumimoji="0" lang="de-DE" altLang="de-DE" sz="1800" b="0" i="0" u="none" strike="noStrike" cap="none" normalizeH="0" baseline="0" dirty="0">
+              <a:ln>
+                <a:noFill/>
+              </a:ln>
+              <a:solidFill>
+                <a:schemeClr val="tx1"/>
+              </a:solidFill>
+              <a:effectLst/>
+              <a:latin typeface="Arial" panose="020B0604020202020204" pitchFamily="34" charset="0"/>
+            </a:endParaRPr>
+          </a:p>
+        </p:txBody>
+      </p:sp>
+      <p:sp>
+        <p:nvSpPr>
+          <p:cNvPr id="9" name="Rectangle 4">
+            <a:extLst>
+              <a:ext uri="{FF2B5EF4-FFF2-40B4-BE49-F238E27FC236}">
+                <a16:creationId xmlns:a16="http://schemas.microsoft.com/office/drawing/2014/main" id="{FEE30E9B-AA22-4FFF-AD9A-BF0D79C16DA8}"/>
+              </a:ext>
+            </a:extLst>
+          </p:cNvPr>
+          <p:cNvSpPr>
+            <a:spLocks noChangeArrowheads="1"/>
+          </p:cNvSpPr>
+          <p:nvPr/>
+        </p:nvSpPr>
+        <p:spPr bwMode="auto">
+          <a:xfrm>
+            <a:off x="6103800" y="2105347"/>
+            <a:ext cx="184731" cy="1107996"/>
+          </a:xfrm>
+          <a:prstGeom prst="rect">
+            <a:avLst/>
+          </a:prstGeom>
+          <a:noFill/>
+          <a:ln>
+            <a:noFill/>
+          </a:ln>
+          <a:effectLst/>
+          <a:extLst>
+            <a:ext uri="{909E8E84-426E-40DD-AFC4-6F175D3DCCD1}">
+              <a14:hiddenFill xmlns:a14="http://schemas.microsoft.com/office/drawing/2010/main">
+                <a:solidFill>
+                  <a:schemeClr val="accent1"/>
+                </a:solidFill>
+              </a14:hiddenFill>
+            </a:ext>
+            <a:ext uri="{91240B29-F687-4F45-9708-019B960494DF}">
+              <a14:hiddenLine xmlns:a14="http://schemas.microsoft.com/office/drawing/2010/main" w="9525">
+                <a:solidFill>
+                  <a:schemeClr val="tx1"/>
+                </a:solidFill>
+                <a:miter lim="800000"/>
+                <a:headEnd/>
+                <a:tailEnd/>
+              </a14:hiddenLine>
+            </a:ext>
+            <a:ext uri="{AF507438-7753-43E0-B8FC-AC1667EBCBE1}">
+              <a14:hiddenEffects xmlns:a14="http://schemas.microsoft.com/office/drawing/2010/main">
+                <a:effectLst>
+                  <a:outerShdw dist="35921" dir="2700000" algn="ctr" rotWithShape="0">
+                    <a:schemeClr val="bg2"/>
+                  </a:outerShdw>
+                </a:effectLst>
+              </a14:hiddenEffects>
+            </a:ext>
+          </a:extLst>
+        </p:spPr>
+        <p:txBody>
+          <a:bodyPr vert="horz" wrap="none" lIns="91440" tIns="0" rIns="91440" bIns="0" numCol="1" anchor="ctr" anchorCtr="0" compatLnSpc="1">
+            <a:prstTxWarp prst="textNoShape">
+              <a:avLst/>
+            </a:prstTxWarp>
+            <a:spAutoFit/>
+          </a:bodyPr>
+          <a:lstStyle>
+            <a:lvl1pPr eaLnBrk="0" fontAlgn="base" hangingPunct="0">
+              <a:spcBef>
+                <a:spcPct val="0"/>
+              </a:spcBef>
+              <a:spcAft>
+                <a:spcPct val="0"/>
+              </a:spcAft>
+              <a:defRPr>
+                <a:solidFill>
+                  <a:schemeClr val="tx1"/>
+                </a:solidFill>
+                <a:latin typeface="Arial" panose="020B0604020202020204" pitchFamily="34" charset="0"/>
+              </a:defRPr>
+            </a:lvl1pPr>
+            <a:lvl2pPr eaLnBrk="0" fontAlgn="base" hangingPunct="0">
+              <a:spcBef>
+                <a:spcPct val="0"/>
+              </a:spcBef>
+              <a:spcAft>
+                <a:spcPct val="0"/>
+              </a:spcAft>
+              <a:defRPr>
+                <a:solidFill>
+                  <a:schemeClr val="tx1"/>
+                </a:solidFill>
+                <a:latin typeface="Arial" panose="020B0604020202020204" pitchFamily="34" charset="0"/>
+              </a:defRPr>
+            </a:lvl2pPr>
+            <a:lvl3pPr eaLnBrk="0" fontAlgn="base" hangingPunct="0">
+              <a:spcBef>
+                <a:spcPct val="0"/>
+              </a:spcBef>
+              <a:spcAft>
+                <a:spcPct val="0"/>
+              </a:spcAft>
+              <a:defRPr>
+                <a:solidFill>
+                  <a:schemeClr val="tx1"/>
+                </a:solidFill>
+                <a:latin typeface="Arial" panose="020B0604020202020204" pitchFamily="34" charset="0"/>
+              </a:defRPr>
+            </a:lvl3pPr>
+            <a:lvl4pPr eaLnBrk="0" fontAlgn="base" hangingPunct="0">
+              <a:spcBef>
+                <a:spcPct val="0"/>
+              </a:spcBef>
+              <a:spcAft>
+                <a:spcPct val="0"/>
+              </a:spcAft>
+              <a:defRPr>
+                <a:solidFill>
+                  <a:schemeClr val="tx1"/>
+                </a:solidFill>
+                <a:latin typeface="Arial" panose="020B0604020202020204" pitchFamily="34" charset="0"/>
+              </a:defRPr>
+            </a:lvl4pPr>
+            <a:lvl5pPr eaLnBrk="0" fontAlgn="base" hangingPunct="0">
+              <a:spcBef>
+                <a:spcPct val="0"/>
+              </a:spcBef>
+              <a:spcAft>
+                <a:spcPct val="0"/>
+              </a:spcAft>
+              <a:defRPr>
+                <a:solidFill>
+                  <a:schemeClr val="tx1"/>
+                </a:solidFill>
+                <a:latin typeface="Arial" panose="020B0604020202020204" pitchFamily="34" charset="0"/>
+              </a:defRPr>
+            </a:lvl5pPr>
+            <a:lvl6pPr eaLnBrk="0" fontAlgn="base" hangingPunct="0">
+              <a:spcBef>
+                <a:spcPct val="0"/>
+              </a:spcBef>
+              <a:spcAft>
+                <a:spcPct val="0"/>
+              </a:spcAft>
+              <a:defRPr>
+                <a:solidFill>
+                  <a:schemeClr val="tx1"/>
+                </a:solidFill>
+                <a:latin typeface="Arial" panose="020B0604020202020204" pitchFamily="34" charset="0"/>
+              </a:defRPr>
+            </a:lvl6pPr>
+            <a:lvl7pPr eaLnBrk="0" fontAlgn="base" hangingPunct="0">
+              <a:spcBef>
+                <a:spcPct val="0"/>
+              </a:spcBef>
+              <a:spcAft>
+                <a:spcPct val="0"/>
+              </a:spcAft>
+              <a:defRPr>
+                <a:solidFill>
+                  <a:schemeClr val="tx1"/>
+                </a:solidFill>
+                <a:latin typeface="Arial" panose="020B0604020202020204" pitchFamily="34" charset="0"/>
+              </a:defRPr>
+            </a:lvl7pPr>
+            <a:lvl8pPr eaLnBrk="0" fontAlgn="base" hangingPunct="0">
+              <a:spcBef>
+                <a:spcPct val="0"/>
+              </a:spcBef>
+              <a:spcAft>
+                <a:spcPct val="0"/>
+              </a:spcAft>
+              <a:defRPr>
+                <a:solidFill>
+                  <a:schemeClr val="tx1"/>
+                </a:solidFill>
+                <a:latin typeface="Arial" panose="020B0604020202020204" pitchFamily="34" charset="0"/>
+              </a:defRPr>
+            </a:lvl8pPr>
+            <a:lvl9pPr eaLnBrk="0" fontAlgn="base" hangingPunct="0">
+              <a:spcBef>
+                <a:spcPct val="0"/>
+              </a:spcBef>
+              <a:spcAft>
+                <a:spcPct val="0"/>
+              </a:spcAft>
+              <a:defRPr>
+                <a:solidFill>
+                  <a:schemeClr val="tx1"/>
+                </a:solidFill>
+                <a:latin typeface="Arial" panose="020B0604020202020204" pitchFamily="34" charset="0"/>
+              </a:defRPr>
+            </a:lvl9pPr>
+          </a:lstStyle>
+          <a:p>
+            <a:pPr marL="0" marR="0" lvl="0" indent="0" algn="l" defTabSz="914400" rtl="0" eaLnBrk="0" fontAlgn="base" latinLnBrk="0" hangingPunct="0">
+              <a:lnSpc>
+                <a:spcPct val="100000"/>
+              </a:lnSpc>
+              <a:spcBef>
+                <a:spcPct val="0"/>
+              </a:spcBef>
+              <a:spcAft>
+                <a:spcPct val="0"/>
+              </a:spcAft>
+              <a:buClrTx/>
+              <a:buSzTx/>
+              <a:buFontTx/>
+              <a:buNone/>
+              <a:tabLst/>
+            </a:pPr>
+            <a:br>
+              <a:rPr kumimoji="0" lang="de-DE" altLang="de-DE" sz="1800" b="0" i="0" u="none" strike="noStrike" cap="none" normalizeH="0" baseline="0" dirty="0">
+                <a:ln>
+                  <a:noFill/>
+                </a:ln>
+                <a:solidFill>
+                  <a:schemeClr val="tx1"/>
+                </a:solidFill>
+                <a:effectLst/>
+                <a:latin typeface="Arial" panose="020B0604020202020204" pitchFamily="34" charset="0"/>
+              </a:rPr>
+            </a:br>
+            <a:endParaRPr kumimoji="0" lang="de-DE" altLang="de-DE" sz="1800" b="0" i="0" u="none" strike="noStrike" cap="none" normalizeH="0" baseline="0" dirty="0">
+              <a:ln>
+                <a:noFill/>
+              </a:ln>
+              <a:solidFill>
+                <a:schemeClr val="tx1"/>
+              </a:solidFill>
+              <a:effectLst/>
+              <a:latin typeface="Arial" panose="020B0604020202020204" pitchFamily="34" charset="0"/>
+            </a:endParaRPr>
+          </a:p>
+          <a:p>
+            <a:pPr marL="0" marR="0" lvl="0" indent="0" algn="l" defTabSz="914400" rtl="0" eaLnBrk="0" fontAlgn="base" latinLnBrk="0" hangingPunct="0">
+              <a:lnSpc>
+                <a:spcPct val="100000"/>
+              </a:lnSpc>
+              <a:spcBef>
+                <a:spcPct val="0"/>
+              </a:spcBef>
+              <a:spcAft>
+                <a:spcPct val="0"/>
+              </a:spcAft>
+              <a:buClrTx/>
+              <a:buSzTx/>
+              <a:tabLst/>
+            </a:pPr>
+            <a:br>
+              <a:rPr kumimoji="0" lang="de-DE" altLang="de-DE" sz="1800" b="0" i="0" u="none" strike="noStrike" cap="none" normalizeH="0" baseline="0" dirty="0">
+                <a:ln>
+                  <a:noFill/>
+                </a:ln>
+                <a:solidFill>
+                  <a:schemeClr val="tx1"/>
+                </a:solidFill>
+                <a:effectLst/>
+                <a:latin typeface="Arial" panose="020B0604020202020204" pitchFamily="34" charset="0"/>
+              </a:rPr>
+            </a:br>
+            <a:endParaRPr kumimoji="0" lang="de-DE" altLang="de-DE" sz="1800" b="0" i="0" u="none" strike="noStrike" cap="none" normalizeH="0" baseline="0" dirty="0">
+              <a:ln>
+                <a:noFill/>
+              </a:ln>
+              <a:solidFill>
+                <a:schemeClr val="tx1"/>
+              </a:solidFill>
+              <a:effectLst/>
+              <a:latin typeface="Arial" panose="020B0604020202020204" pitchFamily="34" charset="0"/>
+            </a:endParaRPr>
+          </a:p>
+        </p:txBody>
+      </p:sp>
+      <p:sp>
+        <p:nvSpPr>
+          <p:cNvPr id="13" name="Rectangle 5">
+            <a:extLst>
+              <a:ext uri="{FF2B5EF4-FFF2-40B4-BE49-F238E27FC236}">
+                <a16:creationId xmlns:a16="http://schemas.microsoft.com/office/drawing/2014/main" id="{5F34A1D1-E9C3-4539-9D84-A2A1D59674F2}"/>
+              </a:ext>
+            </a:extLst>
+          </p:cNvPr>
+          <p:cNvSpPr>
+            <a:spLocks noChangeArrowheads="1"/>
+          </p:cNvSpPr>
+          <p:nvPr/>
+        </p:nvSpPr>
+        <p:spPr bwMode="auto">
+          <a:xfrm>
+            <a:off x="1183304" y="2379429"/>
+            <a:ext cx="184731" cy="553998"/>
+          </a:xfrm>
+          <a:prstGeom prst="rect">
+            <a:avLst/>
+          </a:prstGeom>
+          <a:noFill/>
+          <a:ln>
+            <a:noFill/>
+          </a:ln>
+          <a:effectLst/>
+          <a:extLst>
+            <a:ext uri="{909E8E84-426E-40DD-AFC4-6F175D3DCCD1}">
+              <a14:hiddenFill xmlns:a14="http://schemas.microsoft.com/office/drawing/2010/main">
+                <a:solidFill>
+                  <a:schemeClr val="accent1"/>
+                </a:solidFill>
+              </a14:hiddenFill>
+            </a:ext>
+            <a:ext uri="{91240B29-F687-4F45-9708-019B960494DF}">
+              <a14:hiddenLine xmlns:a14="http://schemas.microsoft.com/office/drawing/2010/main" w="9525">
+                <a:solidFill>
+                  <a:schemeClr val="tx1"/>
+                </a:solidFill>
+                <a:miter lim="800000"/>
+                <a:headEnd/>
+                <a:tailEnd/>
+              </a14:hiddenLine>
+            </a:ext>
+            <a:ext uri="{AF507438-7753-43E0-B8FC-AC1667EBCBE1}">
+              <a14:hiddenEffects xmlns:a14="http://schemas.microsoft.com/office/drawing/2010/main">
+                <a:effectLst>
+                  <a:outerShdw dist="35921" dir="2700000" algn="ctr" rotWithShape="0">
+                    <a:schemeClr val="bg2"/>
+                  </a:outerShdw>
+                </a:effectLst>
+              </a14:hiddenEffects>
+            </a:ext>
+          </a:extLst>
+        </p:spPr>
+        <p:txBody>
+          <a:bodyPr vert="horz" wrap="none" lIns="91440" tIns="0" rIns="91440" bIns="0" numCol="1" anchor="ctr" anchorCtr="0" compatLnSpc="1">
+            <a:prstTxWarp prst="textNoShape">
+              <a:avLst/>
+            </a:prstTxWarp>
+            <a:spAutoFit/>
+          </a:bodyPr>
+          <a:lstStyle>
+            <a:lvl1pPr eaLnBrk="0" fontAlgn="base" hangingPunct="0">
+              <a:spcBef>
+                <a:spcPct val="0"/>
+              </a:spcBef>
+              <a:spcAft>
+                <a:spcPct val="0"/>
+              </a:spcAft>
+              <a:defRPr>
+                <a:solidFill>
+                  <a:schemeClr val="tx1"/>
+                </a:solidFill>
+                <a:latin typeface="Arial" panose="020B0604020202020204" pitchFamily="34" charset="0"/>
+              </a:defRPr>
+            </a:lvl1pPr>
+            <a:lvl2pPr eaLnBrk="0" fontAlgn="base" hangingPunct="0">
+              <a:spcBef>
+                <a:spcPct val="0"/>
+              </a:spcBef>
+              <a:spcAft>
+                <a:spcPct val="0"/>
+              </a:spcAft>
+              <a:defRPr>
+                <a:solidFill>
+                  <a:schemeClr val="tx1"/>
+                </a:solidFill>
+                <a:latin typeface="Arial" panose="020B0604020202020204" pitchFamily="34" charset="0"/>
+              </a:defRPr>
+            </a:lvl2pPr>
+            <a:lvl3pPr eaLnBrk="0" fontAlgn="base" hangingPunct="0">
+              <a:spcBef>
+                <a:spcPct val="0"/>
+              </a:spcBef>
+              <a:spcAft>
+                <a:spcPct val="0"/>
+              </a:spcAft>
+              <a:defRPr>
+                <a:solidFill>
+                  <a:schemeClr val="tx1"/>
+                </a:solidFill>
+                <a:latin typeface="Arial" panose="020B0604020202020204" pitchFamily="34" charset="0"/>
+              </a:defRPr>
+            </a:lvl3pPr>
+            <a:lvl4pPr eaLnBrk="0" fontAlgn="base" hangingPunct="0">
+              <a:spcBef>
+                <a:spcPct val="0"/>
+              </a:spcBef>
+              <a:spcAft>
+                <a:spcPct val="0"/>
+              </a:spcAft>
+              <a:defRPr>
+                <a:solidFill>
+                  <a:schemeClr val="tx1"/>
+                </a:solidFill>
+                <a:latin typeface="Arial" panose="020B0604020202020204" pitchFamily="34" charset="0"/>
+              </a:defRPr>
+            </a:lvl4pPr>
+            <a:lvl5pPr eaLnBrk="0" fontAlgn="base" hangingPunct="0">
+              <a:spcBef>
+                <a:spcPct val="0"/>
+              </a:spcBef>
+              <a:spcAft>
+                <a:spcPct val="0"/>
+              </a:spcAft>
+              <a:defRPr>
+                <a:solidFill>
+                  <a:schemeClr val="tx1"/>
+                </a:solidFill>
+                <a:latin typeface="Arial" panose="020B0604020202020204" pitchFamily="34" charset="0"/>
+              </a:defRPr>
+            </a:lvl5pPr>
+            <a:lvl6pPr eaLnBrk="0" fontAlgn="base" hangingPunct="0">
+              <a:spcBef>
+                <a:spcPct val="0"/>
+              </a:spcBef>
+              <a:spcAft>
+                <a:spcPct val="0"/>
+              </a:spcAft>
+              <a:defRPr>
+                <a:solidFill>
+                  <a:schemeClr val="tx1"/>
+                </a:solidFill>
+                <a:latin typeface="Arial" panose="020B0604020202020204" pitchFamily="34" charset="0"/>
+              </a:defRPr>
+            </a:lvl6pPr>
+            <a:lvl7pPr eaLnBrk="0" fontAlgn="base" hangingPunct="0">
+              <a:spcBef>
+                <a:spcPct val="0"/>
+              </a:spcBef>
+              <a:spcAft>
+                <a:spcPct val="0"/>
+              </a:spcAft>
+              <a:defRPr>
+                <a:solidFill>
+                  <a:schemeClr val="tx1"/>
+                </a:solidFill>
+                <a:latin typeface="Arial" panose="020B0604020202020204" pitchFamily="34" charset="0"/>
+              </a:defRPr>
+            </a:lvl7pPr>
+            <a:lvl8pPr eaLnBrk="0" fontAlgn="base" hangingPunct="0">
+              <a:spcBef>
+                <a:spcPct val="0"/>
+              </a:spcBef>
+              <a:spcAft>
+                <a:spcPct val="0"/>
+              </a:spcAft>
+              <a:defRPr>
+                <a:solidFill>
+                  <a:schemeClr val="tx1"/>
+                </a:solidFill>
+                <a:latin typeface="Arial" panose="020B0604020202020204" pitchFamily="34" charset="0"/>
+              </a:defRPr>
+            </a:lvl8pPr>
+            <a:lvl9pPr eaLnBrk="0" fontAlgn="base" hangingPunct="0">
+              <a:spcBef>
+                <a:spcPct val="0"/>
+              </a:spcBef>
+              <a:spcAft>
+                <a:spcPct val="0"/>
+              </a:spcAft>
+              <a:defRPr>
+                <a:solidFill>
+                  <a:schemeClr val="tx1"/>
+                </a:solidFill>
+                <a:latin typeface="Arial" panose="020B0604020202020204" pitchFamily="34" charset="0"/>
+              </a:defRPr>
+            </a:lvl9pPr>
+          </a:lstStyle>
+          <a:p>
+            <a:pPr marL="0" marR="0" lvl="0" indent="0" algn="l" defTabSz="914400" rtl="0" eaLnBrk="0" fontAlgn="base" latinLnBrk="0" hangingPunct="0">
+              <a:lnSpc>
+                <a:spcPct val="100000"/>
+              </a:lnSpc>
+              <a:spcBef>
+                <a:spcPct val="0"/>
+              </a:spcBef>
+              <a:spcAft>
+                <a:spcPct val="0"/>
+              </a:spcAft>
+              <a:buClrTx/>
+              <a:buSzTx/>
+              <a:buFontTx/>
+              <a:buNone/>
+              <a:tabLst/>
+            </a:pPr>
+            <a:br>
+              <a:rPr kumimoji="0" lang="de-DE" altLang="de-DE" sz="1800" b="0" i="0" u="none" strike="noStrike" cap="none" normalizeH="0" baseline="0" dirty="0">
+                <a:ln>
+                  <a:noFill/>
+                </a:ln>
+                <a:solidFill>
+                  <a:schemeClr val="tx1"/>
+                </a:solidFill>
+                <a:effectLst/>
+                <a:latin typeface="Arial" panose="020B0604020202020204" pitchFamily="34" charset="0"/>
+              </a:rPr>
+            </a:br>
+            <a:endParaRPr kumimoji="0" lang="de-DE" altLang="de-DE" sz="1800" b="0" i="0" u="none" strike="noStrike" cap="none" normalizeH="0" baseline="0" dirty="0">
+              <a:ln>
+                <a:noFill/>
+              </a:ln>
+              <a:solidFill>
+                <a:schemeClr val="tx1"/>
+              </a:solidFill>
+              <a:effectLst/>
+              <a:latin typeface="Arial" panose="020B0604020202020204" pitchFamily="34" charset="0"/>
+            </a:endParaRPr>
+          </a:p>
+        </p:txBody>
+      </p:sp>
+      <p:sp>
+        <p:nvSpPr>
+          <p:cNvPr id="2" name="Textfeld 1">
+            <a:extLst>
+              <a:ext uri="{FF2B5EF4-FFF2-40B4-BE49-F238E27FC236}">
+                <a16:creationId xmlns:a16="http://schemas.microsoft.com/office/drawing/2014/main" id="{9DEF2B1E-4BDD-4FA8-BE90-87C504720620}"/>
+              </a:ext>
+            </a:extLst>
+          </p:cNvPr>
+          <p:cNvSpPr txBox="1"/>
+          <p:nvPr/>
+        </p:nvSpPr>
+        <p:spPr>
+          <a:xfrm>
+            <a:off x="318600" y="2469874"/>
+            <a:ext cx="9378556" cy="3970318"/>
+          </a:xfrm>
+          <a:prstGeom prst="rect">
+            <a:avLst/>
+          </a:prstGeom>
+          <a:noFill/>
+        </p:spPr>
+        <p:txBody>
+          <a:bodyPr wrap="square" rtlCol="0">
+            <a:spAutoFit/>
+          </a:bodyPr>
+          <a:lstStyle/>
+          <a:p>
+            <a:pPr marL="457200" indent="-457200">
+              <a:buFont typeface="+mj-lt"/>
+              <a:buAutoNum type="arabicPeriod"/>
+            </a:pPr>
+            <a:r>
+              <a:rPr lang="de-DE" sz="2400" dirty="0">
+                <a:latin typeface="LMU CompatilFact"/>
+              </a:rPr>
+              <a:t>Viele Dimensionen (1280 Dimensionen über </a:t>
+            </a:r>
+            <a:r>
+              <a:rPr lang="de-DE" sz="2400" dirty="0" err="1">
+                <a:latin typeface="LMU CompatilFact"/>
+              </a:rPr>
+              <a:t>ca</a:t>
+            </a:r>
+            <a:r>
+              <a:rPr lang="de-DE" sz="2400" dirty="0">
+                <a:latin typeface="LMU CompatilFact"/>
+              </a:rPr>
+              <a:t> 25 Millionen Beobachtungen)</a:t>
+            </a:r>
+          </a:p>
+          <a:p>
+            <a:pPr marL="457200" indent="-457200">
+              <a:buFont typeface="+mj-lt"/>
+              <a:buAutoNum type="arabicPeriod"/>
+            </a:pPr>
+            <a:r>
+              <a:rPr lang="de-DE" sz="2400" dirty="0">
+                <a:latin typeface="LMU CompatilFact"/>
+              </a:rPr>
+              <a:t>Große Auswahl an Clusteralgorithmen und </a:t>
+            </a:r>
+            <a:r>
+              <a:rPr lang="de-DE" sz="2400" dirty="0" err="1">
+                <a:latin typeface="LMU CompatilFact"/>
+              </a:rPr>
+              <a:t>Distanzmetriken</a:t>
+            </a:r>
+            <a:endParaRPr lang="de-DE" sz="2400" dirty="0">
+              <a:latin typeface="LMU CompatilFact"/>
+            </a:endParaRPr>
+          </a:p>
+          <a:p>
+            <a:pPr marL="457200" indent="-457200">
+              <a:buFont typeface="+mj-lt"/>
+              <a:buAutoNum type="arabicPeriod"/>
+            </a:pPr>
+            <a:r>
+              <a:rPr lang="de-DE" sz="2400" dirty="0">
+                <a:latin typeface="LMU CompatilFact"/>
+              </a:rPr>
+              <a:t>Wichtigkeit der örtlichen Komponente</a:t>
+            </a:r>
+          </a:p>
+          <a:p>
+            <a:pPr marL="457200" indent="-457200">
+              <a:buFont typeface="+mj-lt"/>
+              <a:buAutoNum type="arabicPeriod"/>
+            </a:pPr>
+            <a:r>
+              <a:rPr lang="de-DE" sz="2400" dirty="0">
+                <a:latin typeface="LMU CompatilFact"/>
+              </a:rPr>
+              <a:t>GWL werden auch anhand von Variablen definiert, die uns nicht zur Verfügung stehen (z.B. Strömungsrichtung)</a:t>
+            </a:r>
+          </a:p>
+          <a:p>
+            <a:pPr marL="457200" indent="-457200">
+              <a:buFont typeface="+mj-lt"/>
+              <a:buAutoNum type="arabicPeriod"/>
+            </a:pPr>
+            <a:r>
+              <a:rPr lang="de-DE" sz="2400" dirty="0">
+                <a:latin typeface="LMU CompatilFact"/>
+              </a:rPr>
+              <a:t>Variablen außerhalb der erhobenen Daten sind auch von Interesse (z.B. Saison, Gewichtung von Europa)</a:t>
+            </a:r>
+          </a:p>
+          <a:p>
+            <a:pPr marL="457200" indent="-457200">
+              <a:buFont typeface="+mj-lt"/>
+              <a:buAutoNum type="arabicPeriod"/>
+            </a:pPr>
+            <a:endParaRPr lang="de-DE" sz="2400" dirty="0">
+              <a:latin typeface="LMU CompatilFact"/>
+            </a:endParaRPr>
+          </a:p>
+          <a:p>
+            <a:endParaRPr lang="de-DE" dirty="0"/>
+          </a:p>
+          <a:p>
+            <a:pPr marL="285750" indent="-285750">
+              <a:buFont typeface="Arial" panose="020B0604020202020204" pitchFamily="34" charset="0"/>
+              <a:buChar char="•"/>
+            </a:pPr>
+            <a:endParaRPr lang="de-DE" dirty="0"/>
           </a:p>
         </p:txBody>
       </p:sp>
     </p:spTree>
+    <p:extLst>
+      <p:ext uri="{BB962C8B-B14F-4D97-AF65-F5344CB8AC3E}">
+        <p14:creationId xmlns:p14="http://schemas.microsoft.com/office/powerpoint/2010/main" val="3965488779"/>
+      </p:ext>
+    </p:extLst>
   </p:cSld>
   <p:clrMapOvr>
     <a:masterClrMapping/>
@@ -16321,7 +16528,7 @@
               </a:tabLst>
             </a:pPr>
             <a:r>
-              <a:rPr lang="de-DE" sz="4800" b="1" strike="noStrike" spc="-1">
+              <a:rPr lang="de-DE" sz="4800" b="1" strike="noStrike" spc="-1" dirty="0">
                 <a:solidFill>
                   <a:srgbClr val="000000"/>
                 </a:solidFill>
@@ -16330,7 +16537,7 @@
               </a:rPr>
               <a:t>Vorstellen des Projekts II</a:t>
             </a:r>
-            <a:endParaRPr lang="en-US" sz="4800" b="0" strike="noStrike" spc="-1">
+            <a:endParaRPr lang="en-US" sz="4800" b="0" strike="noStrike" spc="-1" dirty="0">
               <a:latin typeface="Arial"/>
             </a:endParaRPr>
           </a:p>
@@ -17253,8 +17460,8 @@
           </a:p>
         </p:txBody>
       </p:sp>
-      <mc:AlternateContent xmlns:mc="http://schemas.openxmlformats.org/markup-compatibility/2006">
-        <mc:Choice xmlns:a14="http://schemas.microsoft.com/office/drawing/2010/main" Requires="a14">
+      <mc:AlternateContent xmlns:mc="http://schemas.openxmlformats.org/markup-compatibility/2006" xmlns:a14="http://schemas.microsoft.com/office/drawing/2010/main">
+        <mc:Choice Requires="a14">
           <p:sp>
             <p:nvSpPr>
               <p:cNvPr id="122" name="CustomShape 6"/>
@@ -17614,7 +17821,7 @@
             </p:txBody>
           </p:sp>
         </mc:Choice>
-        <mc:Fallback>
+        <mc:Fallback xmlns="">
           <p:sp>
             <p:nvSpPr>
               <p:cNvPr id="122" name="CustomShape 6"/>
@@ -19412,8 +19619,8 @@
         </p:nvSpPr>
         <p:spPr>
           <a:xfrm>
-            <a:off x="147831" y="2407884"/>
-            <a:ext cx="11554200" cy="3815640"/>
+            <a:off x="147831" y="2306282"/>
+            <a:ext cx="11554200" cy="3902605"/>
           </a:xfrm>
           <a:prstGeom prst="rect">
             <a:avLst/>
@@ -19533,8 +19740,17 @@
               <a:rPr lang="de-DE" sz="2400" spc="-1" dirty="0">
                 <a:latin typeface="LMU CompatilFact"/>
               </a:rPr>
-              <a:t>Distanzmetrik</a:t>
-            </a:r>
+              <a:t>Verschiedene </a:t>
+            </a:r>
+            <a:r>
+              <a:rPr lang="de-DE" sz="2400" spc="-1" dirty="0" err="1">
+                <a:latin typeface="LMU CompatilFact"/>
+              </a:rPr>
+              <a:t>Distanzmetriken</a:t>
+            </a:r>
+            <a:endParaRPr lang="de-DE" sz="2400" spc="-1" dirty="0">
+              <a:latin typeface="LMU CompatilFact"/>
+            </a:endParaRPr>
           </a:p>
           <a:p>
             <a:pPr marL="432000" indent="-323640">
@@ -19571,7 +19787,7 @@
               <a:rPr lang="de-DE" sz="2000" spc="-1" dirty="0">
                 <a:latin typeface="LMU CompatilFact"/>
               </a:rPr>
-              <a:t>Hierarchische und Partitionierte Verfahren </a:t>
+              <a:t>Partitionierte Verfahren </a:t>
             </a:r>
           </a:p>
           <a:p>
@@ -19590,7 +19806,7 @@
               <a:rPr lang="de-DE" sz="2000" spc="-1" dirty="0">
                 <a:latin typeface="LMU CompatilFact"/>
               </a:rPr>
-              <a:t>Modellbasierte Verfahren</a:t>
+              <a:t>Dichtebasierte Verfahren</a:t>
             </a:r>
           </a:p>
           <a:p>
@@ -19609,7 +19825,7 @@
               <a:rPr lang="de-DE" sz="2000" spc="-1" dirty="0">
                 <a:latin typeface="LMU CompatilFact"/>
               </a:rPr>
-              <a:t>Dichtebasierte Verfahren</a:t>
+              <a:t>Und andere</a:t>
             </a:r>
           </a:p>
           <a:p>

--- a/ppt/Zwischenpraesentation_v1.1.pptx
+++ b/ppt/Zwischenpraesentation_v1.1.pptx
@@ -10,7 +10,7 @@
     <p:sldId id="257" r:id="rId4"/>
     <p:sldId id="258" r:id="rId5"/>
     <p:sldId id="259" r:id="rId6"/>
-    <p:sldId id="850" r:id="rId7"/>
+    <p:sldId id="883" r:id="rId7"/>
     <p:sldId id="877" r:id="rId8"/>
     <p:sldId id="260" r:id="rId9"/>
     <p:sldId id="862" r:id="rId10"/>
@@ -9239,7 +9239,7 @@
                 <a:latin typeface="LMU CompatilFact"/>
                 <a:cs typeface="Times New Roman" panose="02020603050405020304" pitchFamily="18" charset="0"/>
               </a:rPr>
-              <a:t>Distanzmatrix</a:t>
+              <a:t>Distanzmetrik</a:t>
             </a:r>
             <a:endParaRPr lang="en-US" sz="2000" spc="-1" dirty="0">
               <a:latin typeface="LMU CompatilFact"/>
@@ -27091,6 +27091,43 @@
               </a:rPr>
               <a:t>Brezowsky</a:t>
             </a:r>
+            <a:endParaRPr lang="de-DE" sz="2400" spc="-1" dirty="0">
+              <a:solidFill>
+                <a:srgbClr val="000000"/>
+              </a:solidFill>
+              <a:latin typeface="LMU CompatilFact"/>
+            </a:endParaRPr>
+          </a:p>
+          <a:p>
+            <a:pPr marL="889200" lvl="1" indent="-323640">
+              <a:spcBef>
+                <a:spcPts val="1417"/>
+              </a:spcBef>
+              <a:buClr>
+                <a:srgbClr val="000000"/>
+              </a:buClr>
+              <a:buSzPct val="45000"/>
+              <a:buFont typeface="Wingdings" charset="2"/>
+              <a:buChar char=""/>
+            </a:pPr>
+            <a:r>
+              <a:rPr lang="de-DE" sz="2400" spc="-1" dirty="0">
+                <a:solidFill>
+                  <a:srgbClr val="000000"/>
+                </a:solidFill>
+                <a:latin typeface="LMU CompatilFact"/>
+              </a:rPr>
+              <a:t>29 GWL nach Hess &amp; </a:t>
+            </a:r>
+            <a:r>
+              <a:rPr lang="de-DE" sz="2400" spc="-1" dirty="0" err="1">
+                <a:solidFill>
+                  <a:srgbClr val="000000"/>
+                </a:solidFill>
+                <a:latin typeface="LMU CompatilFact"/>
+              </a:rPr>
+              <a:t>Brezowsky</a:t>
+            </a:r>
             <a:endParaRPr lang="en-US" sz="2400" spc="-1" dirty="0">
               <a:solidFill>
                 <a:srgbClr val="000000"/>
@@ -33933,150 +33970,12 @@
           </a:p>
         </p:txBody>
       </p:sp>
-      <p:sp>
-        <p:nvSpPr>
-          <p:cNvPr id="115" name="CustomShape 6"/>
-          <p:cNvSpPr/>
-          <p:nvPr/>
-        </p:nvSpPr>
-        <p:spPr>
-          <a:xfrm>
-            <a:off x="104040" y="2286000"/>
-            <a:ext cx="11554200" cy="3815640"/>
-          </a:xfrm>
-          <a:prstGeom prst="rect">
-            <a:avLst/>
-          </a:prstGeom>
-          <a:noFill/>
-          <a:ln w="9360">
-            <a:noFill/>
-          </a:ln>
-        </p:spPr>
-        <p:style>
-          <a:lnRef idx="0">
-            <a:scrgbClr r="0" g="0" b="0"/>
-          </a:lnRef>
-          <a:fillRef idx="0">
-            <a:scrgbClr r="0" g="0" b="0"/>
-          </a:fillRef>
-          <a:effectRef idx="0">
-            <a:scrgbClr r="0" g="0" b="0"/>
-          </a:effectRef>
-          <a:fontRef idx="minor"/>
-        </p:style>
-        <p:txBody>
-          <a:bodyPr lIns="90000" tIns="45000" rIns="90000" bIns="45000">
-            <a:noAutofit/>
-          </a:bodyPr>
-          <a:lstStyle/>
-          <a:p>
-            <a:pPr marL="108360">
-              <a:lnSpc>
-                <a:spcPct val="100000"/>
-              </a:lnSpc>
-              <a:spcBef>
-                <a:spcPts val="1417"/>
-              </a:spcBef>
-              <a:buClr>
-                <a:srgbClr val="000000"/>
-              </a:buClr>
-              <a:buSzPct val="45000"/>
-            </a:pPr>
-            <a:endParaRPr lang="en-US" sz="2400" b="0" strike="noStrike" spc="-1" dirty="0">
-              <a:latin typeface="Arial"/>
-            </a:endParaRPr>
-          </a:p>
-          <a:p>
-            <a:pPr marL="864000" lvl="1" indent="-323640">
-              <a:lnSpc>
-                <a:spcPct val="100000"/>
-              </a:lnSpc>
-              <a:spcBef>
-                <a:spcPts val="1134"/>
-              </a:spcBef>
-              <a:buClr>
-                <a:srgbClr val="000000"/>
-              </a:buClr>
-              <a:buSzPct val="75000"/>
-              <a:buFont typeface="Symbol"/>
-              <a:buChar char=""/>
-            </a:pPr>
-            <a:endParaRPr lang="en-US" sz="1600" b="0" strike="noStrike" spc="-1" dirty="0">
-              <a:latin typeface="Arial"/>
-            </a:endParaRPr>
-          </a:p>
-        </p:txBody>
-      </p:sp>
-      <p:sp>
-        <p:nvSpPr>
-          <p:cNvPr id="116" name="CustomShape 7"/>
-          <p:cNvSpPr/>
-          <p:nvPr/>
-        </p:nvSpPr>
-        <p:spPr>
-          <a:xfrm>
-            <a:off x="318600" y="1304640"/>
-            <a:ext cx="11554200" cy="757440"/>
-          </a:xfrm>
-          <a:prstGeom prst="rect">
-            <a:avLst/>
-          </a:prstGeom>
-          <a:noFill/>
-          <a:ln w="0">
-            <a:noFill/>
-          </a:ln>
-        </p:spPr>
-        <p:style>
-          <a:lnRef idx="0">
-            <a:scrgbClr r="0" g="0" b="0"/>
-          </a:lnRef>
-          <a:fillRef idx="0">
-            <a:scrgbClr r="0" g="0" b="0"/>
-          </a:fillRef>
-          <a:effectRef idx="0">
-            <a:scrgbClr r="0" g="0" b="0"/>
-          </a:effectRef>
-          <a:fontRef idx="minor"/>
-        </p:style>
-        <p:txBody>
-          <a:bodyPr lIns="90000" tIns="45000" rIns="90000" bIns="45000">
-            <a:noAutofit/>
-          </a:bodyPr>
-          <a:lstStyle/>
-          <a:p>
-            <a:pPr>
-              <a:lnSpc>
-                <a:spcPct val="100000"/>
-              </a:lnSpc>
-              <a:spcAft>
-                <a:spcPts val="601"/>
-              </a:spcAft>
-              <a:tabLst>
-                <a:tab pos="0" algn="l"/>
-              </a:tabLst>
-            </a:pPr>
-            <a:r>
-              <a:rPr lang="de-DE" sz="4800" b="1" strike="noStrike" spc="-1" dirty="0">
-                <a:solidFill>
-                  <a:srgbClr val="000000"/>
-                </a:solidFill>
-                <a:latin typeface="LMU CompatilFact"/>
-                <a:ea typeface="DejaVu Sans"/>
-              </a:rPr>
-              <a:t>Beispiel Großwetterlage</a:t>
-            </a:r>
-            <a:endParaRPr lang="en-US" sz="4800" b="0" strike="noStrike" spc="-1" dirty="0">
-              <a:latin typeface="Arial"/>
-            </a:endParaRPr>
-          </a:p>
-        </p:txBody>
-      </p:sp>
       <p:pic>
         <p:nvPicPr>
-          <p:cNvPr id="3" name="Grafik 2">
+          <p:cNvPr id="7" name="Grafik 6" descr="Ein Bild, das Tisch enthält.&#10;&#10;Automatisch generierte Beschreibung">
             <a:extLst>
               <a:ext uri="{FF2B5EF4-FFF2-40B4-BE49-F238E27FC236}">
-                <a16:creationId xmlns:a16="http://schemas.microsoft.com/office/drawing/2014/main" id="{44C475C2-EADF-4C78-B030-8026BDB26EC5}"/>
+                <a16:creationId xmlns:a16="http://schemas.microsoft.com/office/drawing/2014/main" id="{AECE362D-EB95-4D03-BAFA-C2C562CBBB39}"/>
               </a:ext>
             </a:extLst>
           </p:cNvPr>
@@ -34099,20 +33998,89 @@
         </p:blipFill>
         <p:spPr>
           <a:xfrm>
-            <a:off x="507960" y="2138306"/>
-            <a:ext cx="6015572" cy="4111028"/>
+            <a:off x="507960" y="2502230"/>
+            <a:ext cx="7892577" cy="2293691"/>
           </a:xfrm>
           <a:prstGeom prst="rect">
             <a:avLst/>
           </a:prstGeom>
         </p:spPr>
       </p:pic>
+      <p:sp>
+        <p:nvSpPr>
+          <p:cNvPr id="15" name="CustomShape 7">
+            <a:extLst>
+              <a:ext uri="{FF2B5EF4-FFF2-40B4-BE49-F238E27FC236}">
+                <a16:creationId xmlns:a16="http://schemas.microsoft.com/office/drawing/2014/main" id="{17235F56-5E8A-4606-9361-13FF52EE5168}"/>
+              </a:ext>
+            </a:extLst>
+          </p:cNvPr>
+          <p:cNvSpPr/>
+          <p:nvPr/>
+        </p:nvSpPr>
+        <p:spPr>
+          <a:xfrm>
+            <a:off x="318600" y="1304640"/>
+            <a:ext cx="11554200" cy="757440"/>
+          </a:xfrm>
+          <a:prstGeom prst="rect">
+            <a:avLst/>
+          </a:prstGeom>
+          <a:noFill/>
+          <a:ln w="0">
+            <a:noFill/>
+          </a:ln>
+        </p:spPr>
+        <p:style>
+          <a:lnRef idx="0">
+            <a:scrgbClr r="0" g="0" b="0"/>
+          </a:lnRef>
+          <a:fillRef idx="0">
+            <a:scrgbClr r="0" g="0" b="0"/>
+          </a:fillRef>
+          <a:effectRef idx="0">
+            <a:scrgbClr r="0" g="0" b="0"/>
+          </a:effectRef>
+          <a:fontRef idx="minor"/>
+        </p:style>
+        <p:txBody>
+          <a:bodyPr lIns="90000" tIns="45000" rIns="90000" bIns="45000">
+            <a:noAutofit/>
+          </a:bodyPr>
+          <a:lstStyle/>
+          <a:p>
+            <a:pPr>
+              <a:lnSpc>
+                <a:spcPct val="100000"/>
+              </a:lnSpc>
+              <a:spcAft>
+                <a:spcPts val="601"/>
+              </a:spcAft>
+              <a:tabLst>
+                <a:tab pos="0" algn="l"/>
+              </a:tabLst>
+            </a:pPr>
+            <a:r>
+              <a:rPr lang="de-DE" sz="4800" b="1" spc="-1" dirty="0">
+                <a:solidFill>
+                  <a:srgbClr val="000000"/>
+                </a:solidFill>
+                <a:latin typeface="LMU CompatilFact"/>
+              </a:rPr>
+              <a:t>Großwetterlagen Beispiele</a:t>
+            </a:r>
+            <a:endParaRPr lang="en-US" sz="4800" b="0" strike="noStrike" spc="-1" dirty="0">
+              <a:latin typeface="Arial"/>
+            </a:endParaRPr>
+          </a:p>
+        </p:txBody>
+      </p:sp>
       <p:pic>
         <p:nvPicPr>
-          <p:cNvPr id="5" name="Grafik 4">
+          <p:cNvPr id="9" name="Grafik 8">
             <a:extLst>
               <a:ext uri="{FF2B5EF4-FFF2-40B4-BE49-F238E27FC236}">
-                <a16:creationId xmlns:a16="http://schemas.microsoft.com/office/drawing/2014/main" id="{74144C31-5085-4D0D-B6F5-4A1123F76200}"/>
+                <a16:creationId xmlns:a16="http://schemas.microsoft.com/office/drawing/2014/main" id="{D90D0CE3-6065-4D66-9253-AA17A2ABFB07}"/>
               </a:ext>
             </a:extLst>
           </p:cNvPr>
@@ -34135,8 +34103,8 @@
         </p:blipFill>
         <p:spPr>
           <a:xfrm>
-            <a:off x="6523532" y="2138306"/>
-            <a:ext cx="1300665" cy="4111028"/>
+            <a:off x="507960" y="5367596"/>
+            <a:ext cx="7078173" cy="564517"/>
           </a:xfrm>
           <a:prstGeom prst="rect">
             <a:avLst/>
@@ -34145,10 +34113,10 @@
       </p:pic>
       <p:sp>
         <p:nvSpPr>
-          <p:cNvPr id="6" name="Textfeld 5">
+          <p:cNvPr id="10" name="Textfeld 9">
             <a:extLst>
               <a:ext uri="{FF2B5EF4-FFF2-40B4-BE49-F238E27FC236}">
-                <a16:creationId xmlns:a16="http://schemas.microsoft.com/office/drawing/2014/main" id="{F987B254-FE9D-4078-90AB-E8D6B47BFB6A}"/>
+                <a16:creationId xmlns:a16="http://schemas.microsoft.com/office/drawing/2014/main" id="{A53CBF8E-4482-4FA5-A72B-466869833B7D}"/>
               </a:ext>
             </a:extLst>
           </p:cNvPr>
@@ -34157,8 +34125,8 @@
         </p:nvSpPr>
         <p:spPr>
           <a:xfrm>
-            <a:off x="6570064" y="6427198"/>
-            <a:ext cx="4721389" cy="369332"/>
+            <a:off x="507960" y="4756488"/>
+            <a:ext cx="745107" cy="461665"/>
           </a:xfrm>
           <a:prstGeom prst="rect">
             <a:avLst/>
@@ -34172,8 +34140,8 @@
           <a:lstStyle/>
           <a:p>
             <a:r>
-              <a:rPr lang="de-DE" dirty="0"/>
-              <a:t>https://www.wetter.net/grosswetterlagenkarte</a:t>
+              <a:rPr lang="de-DE" sz="2400" dirty="0"/>
+              <a:t>…</a:t>
             </a:r>
           </a:p>
         </p:txBody>
@@ -34181,7 +34149,7 @@
     </p:spTree>
     <p:extLst>
       <p:ext uri="{BB962C8B-B14F-4D97-AF65-F5344CB8AC3E}">
-        <p14:creationId xmlns:p14="http://schemas.microsoft.com/office/powerpoint/2010/main" val="1063533009"/>
+        <p14:creationId xmlns:p14="http://schemas.microsoft.com/office/powerpoint/2010/main" val="3256237995"/>
       </p:ext>
     </p:extLst>
   </p:cSld>
@@ -34988,8 +34956,8 @@
           </a:p>
         </p:txBody>
       </p:sp>
-      <mc:AlternateContent xmlns:mc="http://schemas.openxmlformats.org/markup-compatibility/2006" xmlns:a14="http://schemas.microsoft.com/office/drawing/2010/main">
-        <mc:Choice Requires="a14">
+      <mc:AlternateContent xmlns:mc="http://schemas.openxmlformats.org/markup-compatibility/2006">
+        <mc:Choice xmlns:a14="http://schemas.microsoft.com/office/drawing/2010/main" Requires="a14">
           <p:sp>
             <p:nvSpPr>
               <p:cNvPr id="122" name="CustomShape 6"/>
@@ -35104,7 +35072,25 @@
                     </a:solidFill>
                     <a:latin typeface="LMU CompatilFact"/>
                   </a:rPr>
-                  <a:t>Luftdruck auf Meeresspiegelhöhe (</a:t>
+                  <a:t>Luftdruck in </a:t>
+                </a:r>
+                <a:r>
+                  <a:rPr lang="de-DE" sz="2000" b="0" strike="noStrike" spc="-1" dirty="0" err="1">
+                    <a:solidFill>
+                      <a:srgbClr val="000000"/>
+                    </a:solidFill>
+                    <a:latin typeface="LMU CompatilFact"/>
+                  </a:rPr>
+                  <a:t>Pa</a:t>
+                </a:r>
+                <a:r>
+                  <a:rPr lang="de-DE" sz="2000" b="0" strike="noStrike" spc="-1" dirty="0">
+                    <a:solidFill>
+                      <a:srgbClr val="000000"/>
+                    </a:solidFill>
+                    <a:latin typeface="LMU CompatilFact"/>
+                  </a:rPr>
+                  <a:t> auf Meeresspiegelhöhe (</a:t>
                 </a:r>
                 <a:r>
                   <a:rPr lang="de-DE" sz="2000" b="0" strike="noStrike" spc="-1" dirty="0" err="1">
@@ -35268,7 +35254,29 @@
                   </a:rPr>
                   <a:t>Für die Jahre 1900 bis 2010</a:t>
                 </a:r>
-                <a:endParaRPr lang="en-US" sz="2000" b="0" strike="noStrike" spc="-1" dirty="0">
+              </a:p>
+              <a:p>
+                <a:pPr marL="864000" lvl="1" indent="-323640">
+                  <a:spcBef>
+                    <a:spcPts val="1134"/>
+                  </a:spcBef>
+                  <a:buClr>
+                    <a:srgbClr val="000000"/>
+                  </a:buClr>
+                  <a:buSzPct val="75000"/>
+                  <a:buFont typeface="Symbol"/>
+                  <a:buChar char=""/>
+                </a:pPr>
+                <a:r>
+                  <a:rPr lang="de-DE" sz="2000" spc="-1" dirty="0">
+                    <a:solidFill>
+                      <a:srgbClr val="000000"/>
+                    </a:solidFill>
+                    <a:latin typeface="LMU CompatilFact"/>
+                  </a:rPr>
+                  <a:t>Ohne Information zur herrschenden GWL am Tag</a:t>
+                </a:r>
+                <a:endParaRPr lang="en-US" sz="2000" spc="-1" dirty="0">
                   <a:latin typeface="LMU CompatilFact"/>
                 </a:endParaRPr>
               </a:p>
@@ -35318,38 +35326,10 @@
                   <a:latin typeface="LMU CompatilFact"/>
                 </a:endParaRPr>
               </a:p>
-              <a:p>
-                <a:pPr marL="864000" lvl="1" indent="-323640">
-                  <a:lnSpc>
-                    <a:spcPct val="100000"/>
-                  </a:lnSpc>
-                  <a:spcBef>
-                    <a:spcPts val="1134"/>
-                  </a:spcBef>
-                  <a:buClr>
-                    <a:srgbClr val="000000"/>
-                  </a:buClr>
-                  <a:buSzPct val="75000"/>
-                  <a:buFont typeface="Symbol"/>
-                  <a:buChar char=""/>
-                </a:pPr>
-                <a:r>
-                  <a:rPr lang="de-DE" sz="2000" b="0" strike="noStrike" spc="-1" dirty="0">
-                    <a:solidFill>
-                      <a:srgbClr val="000000"/>
-                    </a:solidFill>
-                    <a:latin typeface="LMU CompatilFact"/>
-                  </a:rPr>
-                  <a:t>Ohne Information zur herrschenden GWL am Tag</a:t>
-                </a:r>
-                <a:endParaRPr lang="en-US" sz="2000" b="0" strike="noStrike" spc="-1" dirty="0">
-                  <a:latin typeface="LMU CompatilFact"/>
-                </a:endParaRPr>
-              </a:p>
             </p:txBody>
           </p:sp>
         </mc:Choice>
-        <mc:Fallback xmlns="">
+        <mc:Fallback>
           <p:sp>
             <p:nvSpPr>
               <p:cNvPr id="122" name="CustomShape 6"/>
